--- a/Slides-tt/0907.pptx
+++ b/Slides-tt/0907.pptx
@@ -5,20 +5,19 @@
     <p:sldMasterId id="2147483648" r:id="rId1"/>
   </p:sldMasterIdLst>
   <p:notesMasterIdLst>
-    <p:notesMasterId r:id="rId9"/>
+    <p:notesMasterId r:id="rId8"/>
   </p:notesMasterIdLst>
   <p:sldIdLst>
-    <p:sldId id="456" r:id="rId3"/>
-    <p:sldId id="465" r:id="rId4"/>
-    <p:sldId id="462" r:id="rId5"/>
-    <p:sldId id="463" r:id="rId6"/>
-    <p:sldId id="466" r:id="rId7"/>
-    <p:sldId id="301" r:id="rId8"/>
+    <p:sldId id="472" r:id="rId3"/>
+    <p:sldId id="470" r:id="rId4"/>
+    <p:sldId id="466" r:id="rId5"/>
+    <p:sldId id="471" r:id="rId6"/>
+    <p:sldId id="301" r:id="rId7"/>
   </p:sldIdLst>
   <p:sldSz cx="12192000" cy="6858000"/>
   <p:notesSz cx="12192000" cy="6858000"/>
   <p:custDataLst>
-    <p:tags r:id="rId14"/>
+    <p:tags r:id="rId13"/>
   </p:custDataLst>
   <p:defaultTextStyle>
     <a:defPPr>
@@ -7308,1316 +7307,13 @@
       </p:sp>
       <p:sp>
         <p:nvSpPr>
-          <p:cNvPr id="2" name="圆角矩形 1"/>
-          <p:cNvSpPr/>
-          <p:nvPr/>
-        </p:nvSpPr>
-        <p:spPr>
-          <a:xfrm>
-            <a:off x="816610" y="1371600"/>
-            <a:ext cx="1687830" cy="623570"/>
-          </a:xfrm>
-          <a:prstGeom prst="roundRect">
-            <a:avLst/>
-          </a:prstGeom>
-          <a:noFill/>
-          <a:ln w="12700">
-            <a:solidFill>
-              <a:schemeClr val="tx1"/>
-            </a:solidFill>
-          </a:ln>
-        </p:spPr>
-        <p:style>
-          <a:lnRef idx="2">
-            <a:schemeClr val="accent1">
-              <a:lumMod val="75000"/>
-            </a:schemeClr>
-          </a:lnRef>
-          <a:fillRef idx="1">
-            <a:schemeClr val="accent1"/>
-          </a:fillRef>
-          <a:effectRef idx="0">
-            <a:srgbClr val="FFFFFF"/>
-          </a:effectRef>
-          <a:fontRef idx="minor">
-            <a:schemeClr val="lt1"/>
-          </a:fontRef>
-        </p:style>
-        <p:txBody>
-          <a:bodyPr rtlCol="0" anchor="ctr"/>
-          <a:p>
-            <a:pPr algn="ctr"/>
-            <a:endParaRPr lang="zh-CN" altLang="en-US"/>
-          </a:p>
-        </p:txBody>
-      </p:sp>
-      <p:sp>
-        <p:nvSpPr>
-          <p:cNvPr id="7" name="文本框 6"/>
-          <p:cNvSpPr txBox="1"/>
-          <p:nvPr/>
-        </p:nvSpPr>
-        <p:spPr>
-          <a:xfrm>
-            <a:off x="889635" y="1524000"/>
-            <a:ext cx="1548765" cy="368300"/>
-          </a:xfrm>
-          <a:prstGeom prst="rect">
-            <a:avLst/>
-          </a:prstGeom>
-          <a:noFill/>
-        </p:spPr>
-        <p:txBody>
-          <a:bodyPr wrap="square" rtlCol="0">
-            <a:spAutoFit/>
-          </a:bodyPr>
-          <a:p>
-            <a:pPr algn="ctr"/>
-            <a:r>
-              <a:rPr lang="en-US" altLang="zh-CN"/>
-              <a:t>INBreast-</a:t>
-            </a:r>
-            <a:r>
-              <a:rPr lang="en-US" altLang="zh-CN"/>
-              <a:t>train</a:t>
-            </a:r>
-            <a:endParaRPr lang="en-US" altLang="zh-CN"/>
-          </a:p>
-        </p:txBody>
-      </p:sp>
-      <p:pic>
-        <p:nvPicPr>
-          <p:cNvPr id="8" name="图片 7"/>
-          <p:cNvPicPr>
-            <a:picLocks noChangeAspect="1"/>
-          </p:cNvPicPr>
-          <p:nvPr>
-            <p:custDataLst>
-              <p:tags r:id="rId1"/>
-            </p:custDataLst>
-          </p:nvPr>
-        </p:nvPicPr>
-        <p:blipFill>
-          <a:blip r:embed="rId2"/>
-          <a:stretch>
-            <a:fillRect/>
-          </a:stretch>
-        </p:blipFill>
-        <p:spPr>
-          <a:xfrm>
-            <a:off x="3429000" y="1219200"/>
-            <a:ext cx="5168265" cy="2473325"/>
-          </a:xfrm>
-          <a:prstGeom prst="rect">
-            <a:avLst/>
-          </a:prstGeom>
-        </p:spPr>
-      </p:pic>
-      <p:sp>
-        <p:nvSpPr>
-          <p:cNvPr id="9" name="圆角矩形 8"/>
-          <p:cNvSpPr/>
-          <p:nvPr>
-            <p:custDataLst>
-              <p:tags r:id="rId3"/>
-            </p:custDataLst>
-          </p:nvPr>
-        </p:nvSpPr>
-        <p:spPr>
-          <a:xfrm>
-            <a:off x="3276600" y="1143000"/>
-            <a:ext cx="5388610" cy="2641600"/>
-          </a:xfrm>
-          <a:prstGeom prst="roundRect">
-            <a:avLst/>
-          </a:prstGeom>
-          <a:noFill/>
-          <a:ln w="12700">
-            <a:solidFill>
-              <a:schemeClr val="tx1"/>
-            </a:solidFill>
-          </a:ln>
-        </p:spPr>
-        <p:style>
-          <a:lnRef idx="2">
-            <a:schemeClr val="accent1">
-              <a:lumMod val="75000"/>
-            </a:schemeClr>
-          </a:lnRef>
-          <a:fillRef idx="1">
-            <a:schemeClr val="accent1"/>
-          </a:fillRef>
-          <a:effectRef idx="0">
-            <a:srgbClr val="FFFFFF"/>
-          </a:effectRef>
-          <a:fontRef idx="minor">
-            <a:schemeClr val="lt1"/>
-          </a:fontRef>
-        </p:style>
-        <p:txBody>
-          <a:bodyPr rtlCol="0" anchor="ctr"/>
-          <a:p>
-            <a:pPr algn="ctr"/>
-            <a:endParaRPr lang="zh-CN" altLang="en-US"/>
-          </a:p>
-        </p:txBody>
-      </p:sp>
-      <p:cxnSp>
-        <p:nvCxnSpPr>
-          <p:cNvPr id="11" name="曲线连接符 10"/>
-          <p:cNvCxnSpPr>
-            <a:stCxn id="2" idx="3"/>
-            <a:endCxn id="9" idx="1"/>
-          </p:cNvCxnSpPr>
-          <p:nvPr/>
-        </p:nvCxnSpPr>
-        <p:spPr>
-          <a:xfrm>
-            <a:off x="2504440" y="1683385"/>
-            <a:ext cx="772160" cy="780415"/>
-          </a:xfrm>
-          <a:prstGeom prst="curvedConnector3">
-            <a:avLst>
-              <a:gd name="adj1" fmla="val 50000"/>
-            </a:avLst>
-          </a:prstGeom>
-          <a:ln w="12700">
-            <a:solidFill>
-              <a:schemeClr val="tx1"/>
-            </a:solidFill>
-            <a:tailEnd type="arrow"/>
-          </a:ln>
-        </p:spPr>
-        <p:style>
-          <a:lnRef idx="2">
-            <a:schemeClr val="accent1"/>
-          </a:lnRef>
-          <a:fillRef idx="0">
-            <a:srgbClr val="FFFFFF"/>
-          </a:fillRef>
-          <a:effectRef idx="0">
-            <a:srgbClr val="FFFFFF"/>
-          </a:effectRef>
-          <a:fontRef idx="minor">
-            <a:schemeClr val="tx1"/>
-          </a:fontRef>
-        </p:style>
-      </p:cxnSp>
-      <p:sp>
-        <p:nvSpPr>
-          <p:cNvPr id="12" name="文本框 11"/>
-          <p:cNvSpPr txBox="1"/>
-          <p:nvPr/>
-        </p:nvSpPr>
-        <p:spPr>
-          <a:xfrm>
-            <a:off x="2362200" y="2057400"/>
-            <a:ext cx="1263015" cy="368300"/>
-          </a:xfrm>
-          <a:prstGeom prst="rect">
-            <a:avLst/>
-          </a:prstGeom>
-          <a:noFill/>
-        </p:spPr>
-        <p:txBody>
-          <a:bodyPr wrap="square" rtlCol="0">
-            <a:spAutoFit/>
-          </a:bodyPr>
-          <a:p>
-            <a:r>
-              <a:rPr lang="en-US" altLang="zh-CN"/>
-              <a:t>T</a:t>
-            </a:r>
-            <a:r>
-              <a:rPr lang="en-US" altLang="zh-CN"/>
-              <a:t>rain</a:t>
-            </a:r>
-            <a:endParaRPr lang="en-US" altLang="zh-CN"/>
-          </a:p>
-        </p:txBody>
-      </p:sp>
-      <p:sp>
-        <p:nvSpPr>
-          <p:cNvPr id="13" name="圆角矩形 12"/>
-          <p:cNvSpPr/>
-          <p:nvPr>
-            <p:custDataLst>
-              <p:tags r:id="rId4"/>
-            </p:custDataLst>
-          </p:nvPr>
-        </p:nvSpPr>
-        <p:spPr>
-          <a:xfrm>
-            <a:off x="9310370" y="999490"/>
-            <a:ext cx="2221230" cy="1283970"/>
-          </a:xfrm>
-          <a:prstGeom prst="roundRect">
-            <a:avLst/>
-          </a:prstGeom>
-          <a:noFill/>
-          <a:ln w="12700">
-            <a:solidFill>
-              <a:schemeClr val="tx1"/>
-            </a:solidFill>
-          </a:ln>
-        </p:spPr>
-        <p:style>
-          <a:lnRef idx="2">
-            <a:schemeClr val="accent1">
-              <a:lumMod val="75000"/>
-            </a:schemeClr>
-          </a:lnRef>
-          <a:fillRef idx="1">
-            <a:schemeClr val="accent1"/>
-          </a:fillRef>
-          <a:effectRef idx="0">
-            <a:srgbClr val="FFFFFF"/>
-          </a:effectRef>
-          <a:fontRef idx="minor">
-            <a:schemeClr val="lt1"/>
-          </a:fontRef>
-        </p:style>
-        <p:txBody>
-          <a:bodyPr rtlCol="0" anchor="ctr"/>
-          <a:p>
-            <a:pPr algn="ctr"/>
-            <a:endParaRPr lang="zh-CN" altLang="en-US"/>
-          </a:p>
-        </p:txBody>
-      </p:sp>
-      <p:sp>
-        <p:nvSpPr>
-          <p:cNvPr id="14" name="文本框 13"/>
-          <p:cNvSpPr txBox="1"/>
-          <p:nvPr/>
-        </p:nvSpPr>
-        <p:spPr>
-          <a:xfrm>
-            <a:off x="9525000" y="1066800"/>
-            <a:ext cx="1786255" cy="1198880"/>
-          </a:xfrm>
-          <a:prstGeom prst="rect">
-            <a:avLst/>
-          </a:prstGeom>
-          <a:noFill/>
-        </p:spPr>
-        <p:txBody>
-          <a:bodyPr wrap="square" rtlCol="0">
-            <a:spAutoFit/>
-          </a:bodyPr>
-          <a:p>
-            <a:pPr marL="285750" indent="-285750">
-              <a:buFont typeface="Arial" panose="020B0604020202020204" pitchFamily="34" charset="0"/>
-              <a:buChar char="•"/>
-            </a:pPr>
-            <a:r>
-              <a:rPr lang="en-US" altLang="zh-CN"/>
-              <a:t>INBreast-test</a:t>
-            </a:r>
-            <a:endParaRPr lang="zh-CN" altLang="en-US"/>
-          </a:p>
-          <a:p>
-            <a:pPr marL="285750" indent="-285750">
-              <a:buFont typeface="Arial" panose="020B0604020202020204" pitchFamily="34" charset="0"/>
-              <a:buChar char="•"/>
-            </a:pPr>
-            <a:r>
-              <a:rPr lang="zh-CN" altLang="en-US"/>
-              <a:t>BCDR</a:t>
-            </a:r>
-            <a:endParaRPr lang="zh-CN" altLang="en-US"/>
-          </a:p>
-          <a:p>
-            <a:pPr marL="285750" indent="-285750">
-              <a:buFont typeface="Arial" panose="020B0604020202020204" pitchFamily="34" charset="0"/>
-              <a:buChar char="•"/>
-            </a:pPr>
-            <a:r>
-              <a:rPr lang="zh-CN" altLang="en-US"/>
-              <a:t>Mini-DDSM</a:t>
-            </a:r>
-            <a:endParaRPr lang="zh-CN" altLang="en-US"/>
-          </a:p>
-          <a:p>
-            <a:pPr marL="285750" indent="-285750">
-              <a:buFont typeface="Arial" panose="020B0604020202020204" pitchFamily="34" charset="0"/>
-              <a:buChar char="•"/>
-            </a:pPr>
-            <a:r>
-              <a:rPr lang="zh-CN" altLang="en-US"/>
-              <a:t>CDD-CESM</a:t>
-            </a:r>
-            <a:endParaRPr lang="zh-CN" altLang="en-US"/>
-          </a:p>
-        </p:txBody>
-      </p:sp>
-      <p:cxnSp>
-        <p:nvCxnSpPr>
-          <p:cNvPr id="15" name="曲线连接符 14"/>
-          <p:cNvCxnSpPr>
-            <a:stCxn id="9" idx="3"/>
-            <a:endCxn id="13" idx="1"/>
-          </p:cNvCxnSpPr>
-          <p:nvPr/>
-        </p:nvCxnSpPr>
-        <p:spPr>
-          <a:xfrm flipV="1">
-            <a:off x="8665210" y="1641475"/>
-            <a:ext cx="645160" cy="822325"/>
-          </a:xfrm>
-          <a:prstGeom prst="curvedConnector3">
-            <a:avLst>
-              <a:gd name="adj1" fmla="val 50000"/>
-            </a:avLst>
-          </a:prstGeom>
-          <a:ln w="12700">
-            <a:solidFill>
-              <a:schemeClr val="tx1"/>
-            </a:solidFill>
-            <a:tailEnd type="arrow"/>
-          </a:ln>
-        </p:spPr>
-        <p:style>
-          <a:lnRef idx="2">
-            <a:schemeClr val="accent1"/>
-          </a:lnRef>
-          <a:fillRef idx="0">
-            <a:srgbClr val="FFFFFF"/>
-          </a:fillRef>
-          <a:effectRef idx="0">
-            <a:srgbClr val="FFFFFF"/>
-          </a:effectRef>
-          <a:fontRef idx="minor">
-            <a:schemeClr val="tx1"/>
-          </a:fontRef>
-        </p:style>
-      </p:cxnSp>
-      <p:sp>
-        <p:nvSpPr>
-          <p:cNvPr id="16" name="文本框 15"/>
-          <p:cNvSpPr txBox="1"/>
-          <p:nvPr/>
-        </p:nvSpPr>
-        <p:spPr>
-          <a:xfrm>
-            <a:off x="8686800" y="2242820"/>
-            <a:ext cx="1315720" cy="368300"/>
-          </a:xfrm>
-          <a:prstGeom prst="rect">
-            <a:avLst/>
-          </a:prstGeom>
-          <a:noFill/>
-        </p:spPr>
-        <p:txBody>
-          <a:bodyPr wrap="square" rtlCol="0" anchor="t">
-            <a:spAutoFit/>
-          </a:bodyPr>
-          <a:p>
-            <a:pPr algn="ctr"/>
-            <a:r>
-              <a:rPr lang="en-US" altLang="zh-CN"/>
-              <a:t>E</a:t>
-            </a:r>
-            <a:r>
-              <a:rPr lang="zh-CN" altLang="en-US"/>
-              <a:t>valuation</a:t>
-            </a:r>
-            <a:endParaRPr lang="zh-CN" altLang="en-US"/>
-          </a:p>
-        </p:txBody>
-      </p:sp>
-      <p:cxnSp>
-        <p:nvCxnSpPr>
-          <p:cNvPr id="17" name="直接箭头连接符 16"/>
-          <p:cNvCxnSpPr>
-            <a:stCxn id="13" idx="2"/>
-          </p:cNvCxnSpPr>
-          <p:nvPr/>
-        </p:nvCxnSpPr>
-        <p:spPr>
-          <a:xfrm>
-            <a:off x="10420985" y="2283460"/>
-            <a:ext cx="6350" cy="307340"/>
-          </a:xfrm>
-          <a:prstGeom prst="straightConnector1">
-            <a:avLst/>
-          </a:prstGeom>
-          <a:ln w="12700" cmpd="sng">
-            <a:solidFill>
-              <a:srgbClr val="00B050"/>
-            </a:solidFill>
-            <a:prstDash val="sysDash"/>
-            <a:tailEnd type="arrow"/>
-          </a:ln>
-        </p:spPr>
-        <p:style>
-          <a:lnRef idx="2">
-            <a:schemeClr val="accent1"/>
-          </a:lnRef>
-          <a:fillRef idx="0">
-            <a:srgbClr val="FFFFFF"/>
-          </a:fillRef>
-          <a:effectRef idx="0">
-            <a:srgbClr val="FFFFFF"/>
-          </a:effectRef>
-          <a:fontRef idx="minor">
-            <a:schemeClr val="tx1"/>
-          </a:fontRef>
-        </p:style>
-      </p:cxnSp>
-      <p:sp>
-        <p:nvSpPr>
-          <p:cNvPr id="18" name="圆角矩形 17"/>
-          <p:cNvSpPr/>
-          <p:nvPr>
-            <p:custDataLst>
-              <p:tags r:id="rId5"/>
-            </p:custDataLst>
-          </p:nvPr>
-        </p:nvSpPr>
-        <p:spPr>
-          <a:xfrm>
-            <a:off x="9310370" y="2590800"/>
-            <a:ext cx="2226945" cy="1692910"/>
-          </a:xfrm>
-          <a:prstGeom prst="roundRect">
-            <a:avLst/>
-          </a:prstGeom>
-          <a:noFill/>
-          <a:ln w="12700">
-            <a:solidFill>
-              <a:schemeClr val="tx1"/>
-            </a:solidFill>
-          </a:ln>
-        </p:spPr>
-        <p:style>
-          <a:lnRef idx="2">
-            <a:schemeClr val="accent1">
-              <a:lumMod val="75000"/>
-            </a:schemeClr>
-          </a:lnRef>
-          <a:fillRef idx="1">
-            <a:schemeClr val="accent1"/>
-          </a:fillRef>
-          <a:effectRef idx="0">
-            <a:srgbClr val="FFFFFF"/>
-          </a:effectRef>
-          <a:fontRef idx="minor">
-            <a:schemeClr val="lt1"/>
-          </a:fontRef>
-        </p:style>
-        <p:txBody>
-          <a:bodyPr rtlCol="0" anchor="ctr"/>
-          <a:p>
-            <a:pPr algn="ctr"/>
-            <a:endParaRPr lang="zh-CN" altLang="en-US"/>
-          </a:p>
-        </p:txBody>
-      </p:sp>
-      <p:pic>
-        <p:nvPicPr>
-          <p:cNvPr id="20" name="图片 19"/>
-          <p:cNvPicPr>
-            <a:picLocks noChangeAspect="1"/>
-          </p:cNvPicPr>
-          <p:nvPr>
-            <p:custDataLst>
-              <p:tags r:id="rId6"/>
-            </p:custDataLst>
-          </p:nvPr>
-        </p:nvPicPr>
-        <p:blipFill>
-          <a:blip r:embed="rId7"/>
-          <a:stretch>
-            <a:fillRect/>
-          </a:stretch>
-        </p:blipFill>
-        <p:spPr>
-          <a:xfrm>
-            <a:off x="9406255" y="2652395"/>
-            <a:ext cx="2000250" cy="1543050"/>
-          </a:xfrm>
-          <a:prstGeom prst="rect">
-            <a:avLst/>
-          </a:prstGeom>
-        </p:spPr>
-      </p:pic>
-      <p:sp>
-        <p:nvSpPr>
-          <p:cNvPr id="21" name="圆角矩形 20"/>
-          <p:cNvSpPr/>
-          <p:nvPr>
-            <p:custDataLst>
-              <p:tags r:id="rId8"/>
-            </p:custDataLst>
-          </p:nvPr>
-        </p:nvSpPr>
-        <p:spPr>
-          <a:xfrm>
-            <a:off x="3275965" y="4724400"/>
-            <a:ext cx="5388610" cy="1692910"/>
-          </a:xfrm>
-          <a:prstGeom prst="roundRect">
-            <a:avLst/>
-          </a:prstGeom>
-          <a:noFill/>
-          <a:ln w="12700">
-            <a:solidFill>
-              <a:srgbClr val="FF0000"/>
-            </a:solidFill>
-          </a:ln>
-        </p:spPr>
-        <p:style>
-          <a:lnRef idx="2">
-            <a:schemeClr val="accent1">
-              <a:lumMod val="75000"/>
-            </a:schemeClr>
-          </a:lnRef>
-          <a:fillRef idx="1">
-            <a:schemeClr val="accent1"/>
-          </a:fillRef>
-          <a:effectRef idx="0">
-            <a:srgbClr val="FFFFFF"/>
-          </a:effectRef>
-          <a:fontRef idx="minor">
-            <a:schemeClr val="lt1"/>
-          </a:fontRef>
-        </p:style>
-        <p:txBody>
-          <a:bodyPr rtlCol="0" anchor="ctr"/>
-          <a:p>
-            <a:pPr algn="ctr"/>
-            <a:endParaRPr lang="zh-CN" altLang="en-US"/>
-          </a:p>
-        </p:txBody>
-      </p:sp>
-      <p:sp>
-        <p:nvSpPr>
-          <p:cNvPr id="22" name="文本框 21"/>
-          <p:cNvSpPr txBox="1"/>
-          <p:nvPr/>
-        </p:nvSpPr>
-        <p:spPr>
-          <a:xfrm>
-            <a:off x="4328160" y="6076950"/>
-            <a:ext cx="3063240" cy="368300"/>
-          </a:xfrm>
-          <a:prstGeom prst="rect">
-            <a:avLst/>
-          </a:prstGeom>
-          <a:noFill/>
-        </p:spPr>
-        <p:txBody>
-          <a:bodyPr wrap="square" rtlCol="0">
-            <a:spAutoFit/>
-          </a:bodyPr>
-          <a:p>
-            <a:pPr algn="ctr"/>
-            <a:r>
-              <a:rPr lang="en-US" altLang="zh-CN"/>
-              <a:t>C</a:t>
-            </a:r>
-            <a:r>
-              <a:rPr lang="zh-CN" altLang="en-US"/>
-              <a:t>ontinual </a:t>
-            </a:r>
-            <a:r>
-              <a:rPr lang="en-US" altLang="zh-CN"/>
-              <a:t>L</a:t>
-            </a:r>
-            <a:r>
-              <a:rPr lang="zh-CN" altLang="en-US"/>
-              <a:t>earning</a:t>
-            </a:r>
-            <a:endParaRPr lang="zh-CN" altLang="en-US"/>
-          </a:p>
-        </p:txBody>
-      </p:sp>
-      <p:cxnSp>
-        <p:nvCxnSpPr>
-          <p:cNvPr id="23" name="直接箭头连接符 22"/>
-          <p:cNvCxnSpPr/>
-          <p:nvPr>
-            <p:custDataLst>
-              <p:tags r:id="rId9"/>
-            </p:custDataLst>
-          </p:nvPr>
-        </p:nvCxnSpPr>
-        <p:spPr>
-          <a:xfrm>
-            <a:off x="10426700" y="4283710"/>
-            <a:ext cx="6350" cy="307340"/>
-          </a:xfrm>
-          <a:prstGeom prst="straightConnector1">
-            <a:avLst/>
-          </a:prstGeom>
-          <a:ln w="12700" cmpd="sng">
-            <a:solidFill>
-              <a:srgbClr val="00B050"/>
-            </a:solidFill>
-            <a:prstDash val="sysDash"/>
-            <a:tailEnd type="arrow"/>
-          </a:ln>
-        </p:spPr>
-        <p:style>
-          <a:lnRef idx="2">
-            <a:schemeClr val="accent1"/>
-          </a:lnRef>
-          <a:fillRef idx="0">
-            <a:srgbClr val="FFFFFF"/>
-          </a:fillRef>
-          <a:effectRef idx="0">
-            <a:srgbClr val="FFFFFF"/>
-          </a:effectRef>
-          <a:fontRef idx="minor">
-            <a:schemeClr val="tx1"/>
-          </a:fontRef>
-        </p:style>
-      </p:cxnSp>
-      <p:sp>
-        <p:nvSpPr>
-          <p:cNvPr id="24" name="圆角矩形 23"/>
-          <p:cNvSpPr/>
-          <p:nvPr>
-            <p:custDataLst>
-              <p:tags r:id="rId10"/>
-            </p:custDataLst>
-          </p:nvPr>
-        </p:nvSpPr>
-        <p:spPr>
-          <a:xfrm>
-            <a:off x="9296400" y="4591050"/>
-            <a:ext cx="2241550" cy="983615"/>
-          </a:xfrm>
-          <a:prstGeom prst="roundRect">
-            <a:avLst/>
-          </a:prstGeom>
-          <a:noFill/>
-          <a:ln w="12700">
-            <a:solidFill>
-              <a:schemeClr val="tx1"/>
-            </a:solidFill>
-          </a:ln>
-        </p:spPr>
-        <p:style>
-          <a:lnRef idx="2">
-            <a:schemeClr val="accent1">
-              <a:lumMod val="75000"/>
-            </a:schemeClr>
-          </a:lnRef>
-          <a:fillRef idx="1">
-            <a:schemeClr val="accent1"/>
-          </a:fillRef>
-          <a:effectRef idx="0">
-            <a:srgbClr val="FFFFFF"/>
-          </a:effectRef>
-          <a:fontRef idx="minor">
-            <a:schemeClr val="lt1"/>
-          </a:fontRef>
-        </p:style>
-        <p:txBody>
-          <a:bodyPr rtlCol="0" anchor="ctr"/>
-          <a:p>
-            <a:pPr algn="ctr"/>
-            <a:endParaRPr lang="zh-CN" altLang="en-US"/>
-          </a:p>
-        </p:txBody>
-      </p:sp>
-      <p:sp>
-        <p:nvSpPr>
-          <p:cNvPr id="25" name="文本框 24"/>
-          <p:cNvSpPr txBox="1"/>
-          <p:nvPr/>
-        </p:nvSpPr>
-        <p:spPr>
-          <a:xfrm>
-            <a:off x="9426575" y="4737735"/>
-            <a:ext cx="2003425" cy="645160"/>
-          </a:xfrm>
-          <a:prstGeom prst="rect">
-            <a:avLst/>
-          </a:prstGeom>
-          <a:noFill/>
-        </p:spPr>
-        <p:txBody>
-          <a:bodyPr wrap="square" rtlCol="0">
-            <a:spAutoFit/>
-          </a:bodyPr>
-          <a:p>
-            <a:pPr marL="285750" indent="-285750">
-              <a:buFont typeface="Arial" panose="020B0604020202020204" pitchFamily="34" charset="0"/>
-              <a:buChar char="•"/>
-            </a:pPr>
-            <a:r>
-              <a:rPr lang="zh-CN" altLang="en-US"/>
-              <a:t>灾难性</a:t>
-            </a:r>
-            <a:r>
-              <a:rPr lang="zh-CN" altLang="en-US"/>
-              <a:t>遗忘</a:t>
-            </a:r>
-            <a:endParaRPr lang="zh-CN" altLang="en-US"/>
-          </a:p>
-          <a:p>
-            <a:pPr marL="285750" indent="-285750">
-              <a:buFont typeface="Arial" panose="020B0604020202020204" pitchFamily="34" charset="0"/>
-              <a:buChar char="•"/>
-            </a:pPr>
-            <a:r>
-              <a:rPr lang="zh-CN" altLang="en-US"/>
-              <a:t>数据</a:t>
-            </a:r>
-            <a:r>
-              <a:rPr lang="zh-CN" altLang="en-US"/>
-              <a:t>隐私性</a:t>
-            </a:r>
-            <a:endParaRPr lang="zh-CN" altLang="en-US"/>
-          </a:p>
-        </p:txBody>
-      </p:sp>
-      <p:cxnSp>
-        <p:nvCxnSpPr>
-          <p:cNvPr id="26" name="曲线连接符 25"/>
-          <p:cNvCxnSpPr>
-            <a:stCxn id="24" idx="2"/>
-            <a:endCxn id="21" idx="3"/>
-          </p:cNvCxnSpPr>
-          <p:nvPr/>
-        </p:nvCxnSpPr>
-        <p:spPr>
-          <a:xfrm rot="5400000" flipH="1">
-            <a:off x="9538970" y="4696460"/>
-            <a:ext cx="3810" cy="1752600"/>
-          </a:xfrm>
-          <a:prstGeom prst="curvedConnector4">
-            <a:avLst>
-              <a:gd name="adj1" fmla="val -28366667"/>
-              <a:gd name="adj2" fmla="val 81957"/>
-            </a:avLst>
-          </a:prstGeom>
-          <a:ln w="12700">
-            <a:solidFill>
-              <a:schemeClr val="tx1"/>
-            </a:solidFill>
-            <a:tailEnd type="arrow"/>
-          </a:ln>
-        </p:spPr>
-        <p:style>
-          <a:lnRef idx="2">
-            <a:schemeClr val="accent1"/>
-          </a:lnRef>
-          <a:fillRef idx="0">
-            <a:srgbClr val="FFFFFF"/>
-          </a:fillRef>
-          <a:effectRef idx="0">
-            <a:srgbClr val="FFFFFF"/>
-          </a:effectRef>
-          <a:fontRef idx="minor">
-            <a:schemeClr val="tx1"/>
-          </a:fontRef>
-        </p:style>
-      </p:cxnSp>
-      <p:sp>
-        <p:nvSpPr>
-          <p:cNvPr id="27" name="文本框 26"/>
-          <p:cNvSpPr txBox="1"/>
-          <p:nvPr/>
-        </p:nvSpPr>
-        <p:spPr>
-          <a:xfrm>
-            <a:off x="3395345" y="5106035"/>
-            <a:ext cx="1252855" cy="645160"/>
-          </a:xfrm>
-          <a:prstGeom prst="rect">
-            <a:avLst/>
-          </a:prstGeom>
-          <a:noFill/>
-        </p:spPr>
-        <p:txBody>
-          <a:bodyPr wrap="square" rtlCol="0">
-            <a:spAutoFit/>
-          </a:bodyPr>
-          <a:p>
-            <a:r>
-              <a:rPr lang="en-US" altLang="zh-CN"/>
-              <a:t>T</a:t>
-            </a:r>
-            <a:r>
-              <a:rPr lang="zh-CN" altLang="en-US"/>
-              <a:t>ransfer </a:t>
-            </a:r>
-            <a:r>
-              <a:rPr lang="en-US" altLang="zh-CN"/>
-              <a:t>L</a:t>
-            </a:r>
-            <a:r>
-              <a:rPr lang="zh-CN" altLang="en-US"/>
-              <a:t>earning</a:t>
-            </a:r>
-            <a:endParaRPr lang="zh-CN" altLang="en-US"/>
-          </a:p>
-        </p:txBody>
-      </p:sp>
-      <p:sp>
-        <p:nvSpPr>
-          <p:cNvPr id="29" name="文本框 28"/>
-          <p:cNvSpPr txBox="1"/>
-          <p:nvPr>
-            <p:custDataLst>
-              <p:tags r:id="rId11"/>
-            </p:custDataLst>
-          </p:nvPr>
-        </p:nvSpPr>
-        <p:spPr>
-          <a:xfrm>
-            <a:off x="4724400" y="5294630"/>
-            <a:ext cx="1539240" cy="368300"/>
-          </a:xfrm>
-          <a:prstGeom prst="rect">
-            <a:avLst/>
-          </a:prstGeom>
-          <a:noFill/>
-        </p:spPr>
-        <p:txBody>
-          <a:bodyPr wrap="square" rtlCol="0">
-            <a:spAutoFit/>
-          </a:bodyPr>
-          <a:p>
-            <a:r>
-              <a:rPr lang="en-US"/>
-              <a:t>R</a:t>
-            </a:r>
-            <a:r>
-              <a:t>egularization</a:t>
-            </a:r>
-          </a:p>
-        </p:txBody>
-      </p:sp>
-      <p:cxnSp>
-        <p:nvCxnSpPr>
-          <p:cNvPr id="30" name="曲线连接符 29"/>
-          <p:cNvCxnSpPr>
-            <a:stCxn id="13" idx="3"/>
-            <a:endCxn id="24" idx="3"/>
-          </p:cNvCxnSpPr>
-          <p:nvPr/>
-        </p:nvCxnSpPr>
-        <p:spPr>
-          <a:xfrm>
-            <a:off x="11531600" y="1641475"/>
-            <a:ext cx="6350" cy="3441700"/>
-          </a:xfrm>
-          <a:prstGeom prst="curvedConnector3">
-            <a:avLst>
-              <a:gd name="adj1" fmla="val 3850000"/>
-            </a:avLst>
-          </a:prstGeom>
-          <a:ln w="12700">
-            <a:solidFill>
-              <a:schemeClr val="tx1"/>
-            </a:solidFill>
-            <a:tailEnd type="arrow"/>
-          </a:ln>
-        </p:spPr>
-        <p:style>
-          <a:lnRef idx="2">
-            <a:schemeClr val="accent1"/>
-          </a:lnRef>
-          <a:fillRef idx="0">
-            <a:srgbClr val="FFFFFF"/>
-          </a:fillRef>
-          <a:effectRef idx="0">
-            <a:srgbClr val="FFFFFF"/>
-          </a:effectRef>
-          <a:fontRef idx="minor">
-            <a:schemeClr val="tx1"/>
-          </a:fontRef>
-        </p:style>
-      </p:cxnSp>
-      <p:sp>
-        <p:nvSpPr>
-          <p:cNvPr id="31" name="文本框 30"/>
-          <p:cNvSpPr txBox="1"/>
-          <p:nvPr/>
-        </p:nvSpPr>
-        <p:spPr>
-          <a:xfrm>
-            <a:off x="9144000" y="6019800"/>
-            <a:ext cx="1400175" cy="368300"/>
-          </a:xfrm>
-          <a:prstGeom prst="rect">
-            <a:avLst/>
-          </a:prstGeom>
-          <a:noFill/>
-        </p:spPr>
-        <p:txBody>
-          <a:bodyPr wrap="square" rtlCol="0">
-            <a:spAutoFit/>
-          </a:bodyPr>
-          <a:p>
-            <a:r>
-              <a:rPr lang="en-US" altLang="zh-CN"/>
-              <a:t>I</a:t>
-            </a:r>
-            <a:r>
-              <a:rPr lang="zh-CN" altLang="en-US"/>
-              <a:t>mproved</a:t>
-            </a:r>
-            <a:endParaRPr lang="zh-CN" altLang="en-US"/>
-          </a:p>
-        </p:txBody>
-      </p:sp>
-      <p:cxnSp>
-        <p:nvCxnSpPr>
-          <p:cNvPr id="32" name="直接连接符 31"/>
-          <p:cNvCxnSpPr/>
-          <p:nvPr/>
-        </p:nvCxnSpPr>
-        <p:spPr>
-          <a:xfrm>
-            <a:off x="4570095" y="4936490"/>
-            <a:ext cx="1905" cy="1159510"/>
-          </a:xfrm>
-          <a:prstGeom prst="line">
-            <a:avLst/>
-          </a:prstGeom>
-          <a:ln>
-            <a:solidFill>
-              <a:schemeClr val="tx1"/>
-            </a:solidFill>
-          </a:ln>
-        </p:spPr>
-        <p:style>
-          <a:lnRef idx="2">
-            <a:schemeClr val="accent1"/>
-          </a:lnRef>
-          <a:fillRef idx="0">
-            <a:srgbClr val="FFFFFF"/>
-          </a:fillRef>
-          <a:effectRef idx="0">
-            <a:srgbClr val="FFFFFF"/>
-          </a:effectRef>
-          <a:fontRef idx="minor">
-            <a:schemeClr val="tx1"/>
-          </a:fontRef>
-        </p:style>
-      </p:cxnSp>
-      <p:cxnSp>
-        <p:nvCxnSpPr>
-          <p:cNvPr id="33" name="直接连接符 32"/>
-          <p:cNvCxnSpPr/>
-          <p:nvPr>
-            <p:custDataLst>
-              <p:tags r:id="rId12"/>
-            </p:custDataLst>
-          </p:nvPr>
-        </p:nvCxnSpPr>
-        <p:spPr>
-          <a:xfrm>
-            <a:off x="6339840" y="4936490"/>
-            <a:ext cx="1905" cy="1159510"/>
-          </a:xfrm>
-          <a:prstGeom prst="line">
-            <a:avLst/>
-          </a:prstGeom>
-          <a:ln>
-            <a:solidFill>
-              <a:schemeClr val="tx1"/>
-            </a:solidFill>
-          </a:ln>
-        </p:spPr>
-        <p:style>
-          <a:lnRef idx="2">
-            <a:schemeClr val="accent1"/>
-          </a:lnRef>
-          <a:fillRef idx="0">
-            <a:srgbClr val="FFFFFF"/>
-          </a:fillRef>
-          <a:effectRef idx="0">
-            <a:srgbClr val="FFFFFF"/>
-          </a:effectRef>
-          <a:fontRef idx="minor">
-            <a:schemeClr val="tx1"/>
-          </a:fontRef>
-        </p:style>
-      </p:cxnSp>
-      <p:sp>
-        <p:nvSpPr>
-          <p:cNvPr id="34" name="文本框 33"/>
-          <p:cNvSpPr txBox="1"/>
-          <p:nvPr>
-            <p:custDataLst>
-              <p:tags r:id="rId13"/>
-            </p:custDataLst>
-          </p:nvPr>
-        </p:nvSpPr>
-        <p:spPr>
-          <a:xfrm>
-            <a:off x="6670040" y="5257800"/>
-            <a:ext cx="1539240" cy="368300"/>
-          </a:xfrm>
-          <a:prstGeom prst="rect">
-            <a:avLst/>
-          </a:prstGeom>
-          <a:noFill/>
-        </p:spPr>
-        <p:txBody>
-          <a:bodyPr wrap="square" rtlCol="0">
-            <a:spAutoFit/>
-          </a:bodyPr>
-          <a:p>
-            <a:r>
-              <a:rPr lang="en-US"/>
-              <a:t>.....</a:t>
-            </a:r>
-            <a:endParaRPr lang="en-US"/>
-          </a:p>
-        </p:txBody>
-      </p:sp>
-      <p:cxnSp>
-        <p:nvCxnSpPr>
-          <p:cNvPr id="35" name="直接箭头连接符 34"/>
-          <p:cNvCxnSpPr/>
-          <p:nvPr/>
-        </p:nvCxnSpPr>
-        <p:spPr>
-          <a:xfrm>
-            <a:off x="3962400" y="3797300"/>
-            <a:ext cx="0" cy="914400"/>
-          </a:xfrm>
-          <a:prstGeom prst="straightConnector1">
-            <a:avLst/>
-          </a:prstGeom>
-          <a:ln w="12700">
-            <a:solidFill>
-              <a:schemeClr val="tx1"/>
-            </a:solidFill>
-            <a:tailEnd type="arrow"/>
-          </a:ln>
-        </p:spPr>
-        <p:style>
-          <a:lnRef idx="2">
-            <a:schemeClr val="accent1"/>
-          </a:lnRef>
-          <a:fillRef idx="0">
-            <a:srgbClr val="FFFFFF"/>
-          </a:fillRef>
-          <a:effectRef idx="0">
-            <a:srgbClr val="FFFFFF"/>
-          </a:effectRef>
-          <a:fontRef idx="minor">
-            <a:schemeClr val="tx1"/>
-          </a:fontRef>
-        </p:style>
-      </p:cxnSp>
-      <p:cxnSp>
-        <p:nvCxnSpPr>
-          <p:cNvPr id="36" name="直接箭头连接符 35"/>
-          <p:cNvCxnSpPr/>
-          <p:nvPr>
-            <p:custDataLst>
-              <p:tags r:id="rId14"/>
-            </p:custDataLst>
-          </p:nvPr>
-        </p:nvCxnSpPr>
-        <p:spPr>
-          <a:xfrm>
-            <a:off x="5562600" y="3797300"/>
-            <a:ext cx="0" cy="914400"/>
-          </a:xfrm>
-          <a:prstGeom prst="straightConnector1">
-            <a:avLst/>
-          </a:prstGeom>
-          <a:ln w="12700">
-            <a:solidFill>
-              <a:schemeClr val="tx1"/>
-            </a:solidFill>
-            <a:tailEnd type="arrow"/>
-          </a:ln>
-        </p:spPr>
-        <p:style>
-          <a:lnRef idx="2">
-            <a:schemeClr val="accent1"/>
-          </a:lnRef>
-          <a:fillRef idx="0">
-            <a:srgbClr val="FFFFFF"/>
-          </a:fillRef>
-          <a:effectRef idx="0">
-            <a:srgbClr val="FFFFFF"/>
-          </a:effectRef>
-          <a:fontRef idx="minor">
-            <a:schemeClr val="tx1"/>
-          </a:fontRef>
-        </p:style>
-      </p:cxnSp>
-      <p:cxnSp>
-        <p:nvCxnSpPr>
-          <p:cNvPr id="38" name="直接箭头连接符 37"/>
-          <p:cNvCxnSpPr/>
-          <p:nvPr>
-            <p:custDataLst>
-              <p:tags r:id="rId15"/>
-            </p:custDataLst>
-          </p:nvPr>
-        </p:nvCxnSpPr>
-        <p:spPr>
-          <a:xfrm>
-            <a:off x="7315200" y="3797300"/>
-            <a:ext cx="0" cy="914400"/>
-          </a:xfrm>
-          <a:prstGeom prst="straightConnector1">
-            <a:avLst/>
-          </a:prstGeom>
-          <a:ln w="12700">
-            <a:solidFill>
-              <a:schemeClr val="tx1"/>
-            </a:solidFill>
-            <a:tailEnd type="arrow"/>
-          </a:ln>
-        </p:spPr>
-        <p:style>
-          <a:lnRef idx="2">
-            <a:schemeClr val="accent1"/>
-          </a:lnRef>
-          <a:fillRef idx="0">
-            <a:srgbClr val="FFFFFF"/>
-          </a:fillRef>
-          <a:effectRef idx="0">
-            <a:srgbClr val="FFFFFF"/>
-          </a:effectRef>
-          <a:fontRef idx="minor">
-            <a:schemeClr val="tx1"/>
-          </a:fontRef>
-        </p:style>
-      </p:cxnSp>
-      <p:sp>
-        <p:nvSpPr>
-          <p:cNvPr id="39" name="圆角矩形 38"/>
-          <p:cNvSpPr/>
-          <p:nvPr>
-            <p:custDataLst>
-              <p:tags r:id="rId16"/>
-            </p:custDataLst>
-          </p:nvPr>
-        </p:nvSpPr>
-        <p:spPr>
-          <a:xfrm>
-            <a:off x="274320" y="3390265"/>
-            <a:ext cx="2226945" cy="1692910"/>
-          </a:xfrm>
-          <a:prstGeom prst="roundRect">
-            <a:avLst/>
-          </a:prstGeom>
-          <a:noFill/>
-          <a:ln w="12700">
-            <a:solidFill>
-              <a:schemeClr val="tx1"/>
-            </a:solidFill>
-          </a:ln>
-        </p:spPr>
-        <p:style>
-          <a:lnRef idx="2">
-            <a:schemeClr val="accent1">
-              <a:lumMod val="75000"/>
-            </a:schemeClr>
-          </a:lnRef>
-          <a:fillRef idx="1">
-            <a:schemeClr val="accent1"/>
-          </a:fillRef>
-          <a:effectRef idx="0">
-            <a:srgbClr val="FFFFFF"/>
-          </a:effectRef>
-          <a:fontRef idx="minor">
-            <a:schemeClr val="lt1"/>
-          </a:fontRef>
-        </p:style>
-        <p:txBody>
-          <a:bodyPr rtlCol="0" anchor="ctr"/>
-          <a:p>
-            <a:pPr algn="ctr"/>
-            <a:endParaRPr lang="zh-CN" altLang="en-US"/>
-          </a:p>
-        </p:txBody>
-      </p:sp>
-      <p:pic>
-        <p:nvPicPr>
-          <p:cNvPr id="40" name="图片 39"/>
-          <p:cNvPicPr>
-            <a:picLocks noChangeAspect="1"/>
-          </p:cNvPicPr>
-          <p:nvPr>
-            <p:custDataLst>
-              <p:tags r:id="rId17"/>
-            </p:custDataLst>
-          </p:nvPr>
-        </p:nvPicPr>
-        <p:blipFill>
-          <a:blip r:embed="rId18"/>
-          <a:stretch>
-            <a:fillRect/>
-          </a:stretch>
-        </p:blipFill>
-        <p:spPr>
-          <a:xfrm>
-            <a:off x="331470" y="3505200"/>
-            <a:ext cx="2108835" cy="1468755"/>
-          </a:xfrm>
-          <a:prstGeom prst="rect">
-            <a:avLst/>
-          </a:prstGeom>
-        </p:spPr>
-      </p:pic>
-      <p:cxnSp>
-        <p:nvCxnSpPr>
-          <p:cNvPr id="41" name="曲线连接符 40"/>
-          <p:cNvCxnSpPr>
-            <a:stCxn id="27" idx="1"/>
-            <a:endCxn id="39" idx="3"/>
-          </p:cNvCxnSpPr>
-          <p:nvPr/>
-        </p:nvCxnSpPr>
-        <p:spPr>
-          <a:xfrm rot="10800000">
-            <a:off x="2501265" y="4236085"/>
-            <a:ext cx="894080" cy="1191895"/>
-          </a:xfrm>
-          <a:prstGeom prst="curvedConnector3">
-            <a:avLst>
-              <a:gd name="adj1" fmla="val 50000"/>
-            </a:avLst>
-          </a:prstGeom>
-          <a:ln w="12700" cmpd="sng">
-            <a:solidFill>
-              <a:srgbClr val="00B050"/>
-            </a:solidFill>
-            <a:prstDash val="sysDash"/>
-            <a:tailEnd type="arrow"/>
-          </a:ln>
-        </p:spPr>
-        <p:style>
-          <a:lnRef idx="2">
-            <a:schemeClr val="accent1"/>
-          </a:lnRef>
-          <a:fillRef idx="0">
-            <a:srgbClr val="FFFFFF"/>
-          </a:fillRef>
-          <a:effectRef idx="0">
-            <a:srgbClr val="FFFFFF"/>
-          </a:effectRef>
-          <a:fontRef idx="minor">
-            <a:schemeClr val="tx1"/>
-          </a:fontRef>
-        </p:style>
-      </p:cxnSp>
-      <p:sp>
-        <p:nvSpPr>
           <p:cNvPr id="42" name="object 2"/>
           <p:cNvSpPr txBox="1">
             <a:spLocks noGrp="1"/>
           </p:cNvSpPr>
           <p:nvPr>
             <p:custDataLst>
-              <p:tags r:id="rId19"/>
+              <p:tags r:id="rId1"/>
             </p:custDataLst>
           </p:nvPr>
         </p:nvSpPr>
@@ -8653,20 +7349,53 @@
               </a:spcBef>
             </a:pPr>
             <a:r>
-              <a:rPr lang="en-US" sz="3600">
+              <a:rPr lang="zh-CN" altLang="en-US" sz="3600">
                 <a:sym typeface="+mn-ea"/>
               </a:rPr>
-              <a:t>Our W</a:t>
+              <a:t>乳腺</a:t>
             </a:r>
             <a:r>
-              <a:rPr lang="en-US" sz="3600">
+              <a:rPr lang="zh-CN" altLang="en-US" sz="3600">
                 <a:sym typeface="+mn-ea"/>
               </a:rPr>
-              <a:t>ork</a:t>
+              <a:t>钼靶</a:t>
             </a:r>
-            <a:endParaRPr lang="en-US" sz="3600">
+            <a:endParaRPr lang="zh-CN" altLang="en-US" sz="3600">
               <a:sym typeface="+mn-ea"/>
             </a:endParaRPr>
+          </a:p>
+        </p:txBody>
+      </p:sp>
+      <p:sp>
+        <p:nvSpPr>
+          <p:cNvPr id="18" name="文本框 17"/>
+          <p:cNvSpPr txBox="1"/>
+          <p:nvPr/>
+        </p:nvSpPr>
+        <p:spPr>
+          <a:xfrm>
+            <a:off x="1371600" y="2743200"/>
+            <a:ext cx="3547745" cy="368300"/>
+          </a:xfrm>
+          <a:prstGeom prst="rect">
+            <a:avLst/>
+          </a:prstGeom>
+          <a:noFill/>
+        </p:spPr>
+        <p:txBody>
+          <a:bodyPr wrap="square" rtlCol="0">
+            <a:spAutoFit/>
+          </a:bodyPr>
+          <a:p>
+            <a:r>
+              <a:rPr lang="zh-CN" altLang="en-US"/>
+              <a:t> LWF和EWC实现中</a:t>
+            </a:r>
+            <a:r>
+              <a:rPr lang="en-US" altLang="zh-CN"/>
+              <a:t>...</a:t>
+            </a:r>
+            <a:endParaRPr lang="en-US" altLang="zh-CN"/>
           </a:p>
         </p:txBody>
       </p:sp>
@@ -8695,591 +7424,6 @@
           <a:chExt cx="0" cy="0"/>
         </a:xfrm>
       </p:grpSpPr>
-      <p:sp>
-        <p:nvSpPr>
-          <p:cNvPr id="4" name="object 2"/>
-          <p:cNvSpPr txBox="1">
-            <a:spLocks noGrp="1"/>
-          </p:cNvSpPr>
-          <p:nvPr/>
-        </p:nvSpPr>
-        <p:spPr>
-          <a:xfrm>
-            <a:off x="816659" y="699973"/>
-            <a:ext cx="4678447" cy="566420"/>
-          </a:xfrm>
-          <a:prstGeom prst="rect">
-            <a:avLst/>
-          </a:prstGeom>
-        </p:spPr>
-        <p:txBody>
-          <a:bodyPr vert="horz" wrap="square" lIns="0" tIns="12700" rIns="0" bIns="0" rtlCol="0">
-            <a:spAutoFit/>
-          </a:bodyPr>
-          <a:lstStyle>
-            <a:lvl1pPr>
-              <a:defRPr sz="2400" b="1" i="0">
-                <a:solidFill>
-                  <a:schemeClr val="tx1"/>
-                </a:solidFill>
-                <a:latin typeface="Arial" panose="020B0604020202020204"/>
-                <a:ea typeface="+mj-ea"/>
-                <a:cs typeface="Arial" panose="020B0604020202020204"/>
-              </a:defRPr>
-            </a:lvl1pPr>
-          </a:lstStyle>
-          <a:p>
-            <a:pPr marL="12700">
-              <a:spcBef>
-                <a:spcPts val="100"/>
-              </a:spcBef>
-            </a:pPr>
-            <a:r>
-              <a:rPr lang="en-US" altLang="zh-CN" sz="3600">
-                <a:sym typeface="+mn-ea"/>
-              </a:rPr>
-              <a:t>C</a:t>
-            </a:r>
-            <a:r>
-              <a:rPr lang="zh-CN" altLang="en-US" sz="3600">
-                <a:sym typeface="+mn-ea"/>
-              </a:rPr>
-              <a:t>ontinual </a:t>
-            </a:r>
-            <a:r>
-              <a:rPr lang="en-US" altLang="zh-CN" sz="3600">
-                <a:sym typeface="+mn-ea"/>
-              </a:rPr>
-              <a:t>L</a:t>
-            </a:r>
-            <a:r>
-              <a:rPr lang="zh-CN" altLang="en-US" sz="3600">
-                <a:sym typeface="+mn-ea"/>
-              </a:rPr>
-              <a:t>earning</a:t>
-            </a:r>
-            <a:endParaRPr lang="zh-CN" altLang="en-US" sz="3600" spc="-35" dirty="0">
-              <a:latin typeface="Calibri" panose="020F0502020204030204" pitchFamily="34" charset="0"/>
-              <a:ea typeface="Calibri" panose="020F0502020204030204" pitchFamily="34" charset="0"/>
-              <a:cs typeface="Calibri" panose="020F0502020204030204" pitchFamily="34" charset="0"/>
-            </a:endParaRPr>
-          </a:p>
-        </p:txBody>
-      </p:sp>
-      <p:sp>
-        <p:nvSpPr>
-          <p:cNvPr id="6" name="矩形 5"/>
-          <p:cNvSpPr/>
-          <p:nvPr/>
-        </p:nvSpPr>
-        <p:spPr>
-          <a:xfrm>
-            <a:off x="2170737" y="5294874"/>
-            <a:ext cx="7811463" cy="1486926"/>
-          </a:xfrm>
-          <a:prstGeom prst="rect">
-            <a:avLst/>
-          </a:prstGeom>
-          <a:solidFill>
-            <a:schemeClr val="bg1"/>
-          </a:solidFill>
-          <a:ln>
-            <a:noFill/>
-          </a:ln>
-        </p:spPr>
-        <p:style>
-          <a:lnRef idx="2">
-            <a:schemeClr val="accent1">
-              <a:shade val="50000"/>
-            </a:schemeClr>
-          </a:lnRef>
-          <a:fillRef idx="1">
-            <a:schemeClr val="accent1"/>
-          </a:fillRef>
-          <a:effectRef idx="0">
-            <a:schemeClr val="accent1"/>
-          </a:effectRef>
-          <a:fontRef idx="minor">
-            <a:schemeClr val="lt1"/>
-          </a:fontRef>
-        </p:style>
-        <p:txBody>
-          <a:bodyPr rtlCol="0" anchor="ctr"/>
-          <a:lstStyle/>
-          <a:p>
-            <a:pPr algn="ctr"/>
-            <a:endParaRPr lang="zh-CN" altLang="en-US"/>
-          </a:p>
-        </p:txBody>
-      </p:sp>
-      <p:pic>
-        <p:nvPicPr>
-          <p:cNvPr id="2" name="图片 1"/>
-          <p:cNvPicPr>
-            <a:picLocks noChangeAspect="1"/>
-          </p:cNvPicPr>
-          <p:nvPr>
-            <p:custDataLst>
-              <p:tags r:id="rId1"/>
-            </p:custDataLst>
-          </p:nvPr>
-        </p:nvPicPr>
-        <p:blipFill>
-          <a:blip r:embed="rId2"/>
-          <a:stretch>
-            <a:fillRect/>
-          </a:stretch>
-        </p:blipFill>
-        <p:spPr>
-          <a:xfrm>
-            <a:off x="914400" y="1295400"/>
-            <a:ext cx="10138410" cy="2345690"/>
-          </a:xfrm>
-          <a:prstGeom prst="rect">
-            <a:avLst/>
-          </a:prstGeom>
-        </p:spPr>
-      </p:pic>
-      <p:sp>
-        <p:nvSpPr>
-          <p:cNvPr id="9" name="文本框 8"/>
-          <p:cNvSpPr txBox="1"/>
-          <p:nvPr/>
-        </p:nvSpPr>
-        <p:spPr>
-          <a:xfrm>
-            <a:off x="732790" y="3764280"/>
-            <a:ext cx="10849610" cy="2676525"/>
-          </a:xfrm>
-          <a:prstGeom prst="rect">
-            <a:avLst/>
-          </a:prstGeom>
-          <a:noFill/>
-        </p:spPr>
-        <p:txBody>
-          <a:bodyPr wrap="square" rtlCol="0">
-            <a:spAutoFit/>
-          </a:bodyPr>
-          <a:p>
-            <a:r>
-              <a:rPr lang="zh-CN" altLang="en-US" sz="1400"/>
-              <a:t>1.任务增量学习</a:t>
-            </a:r>
-            <a:endParaRPr lang="zh-CN" altLang="en-US" sz="1400"/>
-          </a:p>
-          <a:p>
-            <a:r>
-              <a:rPr lang="zh-CN" altLang="en-US" sz="1400"/>
-              <a:t>对于持续学习，任务增量学习(TIL)通常作为基本设置，即在训练和测试中都提供任务标识。TIL只需要在相应的任务空间中对实例进行分类，换句话说，任务增量学习事先告诉测试的类属于之前学习的时候划分的哪一个任务，只需要评估出当前测试的类属于给定任务中的哪一个类即可，它不需要跨任务的辨别能力。TIL比CIL更容易，这可以看作是CIL的一个特殊情况。</a:t>
-            </a:r>
-            <a:endParaRPr lang="zh-CN" altLang="en-US" sz="1400"/>
-          </a:p>
-          <a:p>
-            <a:endParaRPr lang="zh-CN" altLang="en-US" sz="1400"/>
-          </a:p>
-          <a:p>
-            <a:r>
-              <a:rPr lang="zh-CN" altLang="en-US" sz="1400"/>
-              <a:t>2.类增量学习</a:t>
-            </a:r>
-            <a:endParaRPr lang="zh-CN" altLang="en-US" sz="1400"/>
-          </a:p>
-          <a:p>
-            <a:r>
-              <a:rPr lang="zh-CN" altLang="en-US" sz="1400"/>
-              <a:t>类增量学习(CIL)的特点是任务不可知推理，即在不提供任务标识的情况下进行测试，这对于分类任务来说更自然，但也更具挑战性。类增量学习（CIL）使学习者能够逐步整合新类的知识，并在所有可见的类中建立一个通用的整体分类器。</a:t>
-            </a:r>
-            <a:endParaRPr lang="zh-CN" altLang="en-US" sz="1400"/>
-          </a:p>
-          <a:p>
-            <a:endParaRPr lang="zh-CN" altLang="en-US" sz="1400"/>
-          </a:p>
-          <a:p>
-            <a:r>
-              <a:rPr lang="zh-CN" altLang="en-US" sz="1400"/>
-              <a:t>3.增量域学习</a:t>
-            </a:r>
-            <a:endParaRPr lang="zh-CN" altLang="en-US" sz="1400"/>
-          </a:p>
-          <a:p>
-            <a:r>
-              <a:rPr lang="zh-CN" altLang="en-US" sz="1400"/>
-              <a:t>DIL专注于具有概念漂移或分布变化的场景，其中新任务包含来自不同域的实例，但具有相同的标签空间，换句话说，DIL指的是具有分布变化的数据流，其中新任务包含来自不同领域的相同类，例如，卡通和剪贴艺术。</a:t>
-            </a:r>
-            <a:endParaRPr lang="zh-CN" altLang="en-US" sz="1400"/>
-          </a:p>
-        </p:txBody>
-      </p:sp>
-    </p:spTree>
-  </p:cSld>
-  <p:clrMapOvr>
-    <a:masterClrMapping/>
-  </p:clrMapOvr>
-</p:sld>
-</file>
-
-<file path=ppt/slides/slide3.xml><?xml version="1.0" encoding="utf-8"?>
-<p:sld xmlns:a="http://schemas.openxmlformats.org/drawingml/2006/main" xmlns:r="http://schemas.openxmlformats.org/officeDocument/2006/relationships" xmlns:p="http://schemas.openxmlformats.org/presentationml/2006/main">
-  <p:cSld>
-    <p:spTree>
-      <p:nvGrpSpPr>
-        <p:cNvPr id="1" name=""/>
-        <p:cNvGrpSpPr/>
-        <p:nvPr/>
-      </p:nvGrpSpPr>
-      <p:grpSpPr>
-        <a:xfrm>
-          <a:off x="0" y="0"/>
-          <a:ext cx="0" cy="0"/>
-          <a:chOff x="0" y="0"/>
-          <a:chExt cx="0" cy="0"/>
-        </a:xfrm>
-      </p:grpSpPr>
-      <p:sp>
-        <p:nvSpPr>
-          <p:cNvPr id="4" name="object 2"/>
-          <p:cNvSpPr txBox="1">
-            <a:spLocks noGrp="1"/>
-          </p:cNvSpPr>
-          <p:nvPr/>
-        </p:nvSpPr>
-        <p:spPr>
-          <a:xfrm>
-            <a:off x="816659" y="699973"/>
-            <a:ext cx="4678447" cy="566420"/>
-          </a:xfrm>
-          <a:prstGeom prst="rect">
-            <a:avLst/>
-          </a:prstGeom>
-        </p:spPr>
-        <p:txBody>
-          <a:bodyPr vert="horz" wrap="square" lIns="0" tIns="12700" rIns="0" bIns="0" rtlCol="0">
-            <a:spAutoFit/>
-          </a:bodyPr>
-          <a:lstStyle>
-            <a:lvl1pPr>
-              <a:defRPr sz="2400" b="1" i="0">
-                <a:solidFill>
-                  <a:schemeClr val="tx1"/>
-                </a:solidFill>
-                <a:latin typeface="Arial" panose="020B0604020202020204"/>
-                <a:ea typeface="+mj-ea"/>
-                <a:cs typeface="Arial" panose="020B0604020202020204"/>
-              </a:defRPr>
-            </a:lvl1pPr>
-          </a:lstStyle>
-          <a:p>
-            <a:pPr marL="12700">
-              <a:spcBef>
-                <a:spcPts val="100"/>
-              </a:spcBef>
-            </a:pPr>
-            <a:r>
-              <a:rPr lang="en-US" sz="3600">
-                <a:sym typeface="+mn-ea"/>
-              </a:rPr>
-              <a:t>R</a:t>
-            </a:r>
-            <a:r>
-              <a:rPr sz="3600">
-                <a:sym typeface="+mn-ea"/>
-              </a:rPr>
-              <a:t>egularization</a:t>
-            </a:r>
-            <a:endParaRPr lang="zh-CN" altLang="en-US" sz="3600" spc="-35" dirty="0">
-              <a:latin typeface="Calibri" panose="020F0502020204030204" pitchFamily="34" charset="0"/>
-              <a:ea typeface="Calibri" panose="020F0502020204030204" pitchFamily="34" charset="0"/>
-              <a:cs typeface="Calibri" panose="020F0502020204030204" pitchFamily="34" charset="0"/>
-            </a:endParaRPr>
-          </a:p>
-        </p:txBody>
-      </p:sp>
-      <p:sp>
-        <p:nvSpPr>
-          <p:cNvPr id="6" name="矩形 5"/>
-          <p:cNvSpPr/>
-          <p:nvPr/>
-        </p:nvSpPr>
-        <p:spPr>
-          <a:xfrm>
-            <a:off x="2170737" y="5294874"/>
-            <a:ext cx="7811463" cy="1486926"/>
-          </a:xfrm>
-          <a:prstGeom prst="rect">
-            <a:avLst/>
-          </a:prstGeom>
-          <a:solidFill>
-            <a:schemeClr val="bg1"/>
-          </a:solidFill>
-          <a:ln>
-            <a:noFill/>
-          </a:ln>
-        </p:spPr>
-        <p:style>
-          <a:lnRef idx="2">
-            <a:schemeClr val="accent1">
-              <a:shade val="50000"/>
-            </a:schemeClr>
-          </a:lnRef>
-          <a:fillRef idx="1">
-            <a:schemeClr val="accent1"/>
-          </a:fillRef>
-          <a:effectRef idx="0">
-            <a:schemeClr val="accent1"/>
-          </a:effectRef>
-          <a:fontRef idx="minor">
-            <a:schemeClr val="lt1"/>
-          </a:fontRef>
-        </p:style>
-        <p:txBody>
-          <a:bodyPr rtlCol="0" anchor="ctr"/>
-          <a:lstStyle/>
-          <a:p>
-            <a:pPr algn="ctr"/>
-            <a:endParaRPr lang="zh-CN" altLang="en-US"/>
-          </a:p>
-        </p:txBody>
-      </p:sp>
-      <p:pic>
-        <p:nvPicPr>
-          <p:cNvPr id="3" name="图片 2"/>
-          <p:cNvPicPr>
-            <a:picLocks noChangeAspect="1"/>
-          </p:cNvPicPr>
-          <p:nvPr>
-            <p:custDataLst>
-              <p:tags r:id="rId1"/>
-            </p:custDataLst>
-          </p:nvPr>
-        </p:nvPicPr>
-        <p:blipFill>
-          <a:blip r:embed="rId2"/>
-          <a:stretch>
-            <a:fillRect/>
-          </a:stretch>
-        </p:blipFill>
-        <p:spPr>
-          <a:xfrm>
-            <a:off x="914400" y="1295400"/>
-            <a:ext cx="10430510" cy="2120265"/>
-          </a:xfrm>
-          <a:prstGeom prst="rect">
-            <a:avLst/>
-          </a:prstGeom>
-        </p:spPr>
-      </p:pic>
-      <p:sp>
-        <p:nvSpPr>
-          <p:cNvPr id="5" name="文本框 4"/>
-          <p:cNvSpPr txBox="1"/>
-          <p:nvPr/>
-        </p:nvSpPr>
-        <p:spPr>
-          <a:xfrm>
-            <a:off x="1105535" y="3605530"/>
-            <a:ext cx="4989830" cy="2584450"/>
-          </a:xfrm>
-          <a:prstGeom prst="rect">
-            <a:avLst/>
-          </a:prstGeom>
-          <a:noFill/>
-        </p:spPr>
-        <p:txBody>
-          <a:bodyPr wrap="square" rtlCol="0">
-            <a:spAutoFit/>
-          </a:bodyPr>
-          <a:p>
-            <a:pPr marL="285750" indent="-285750">
-              <a:buFont typeface="Arial" panose="020B0604020202020204" pitchFamily="34" charset="0"/>
-              <a:buChar char="•"/>
-            </a:pPr>
-            <a:r>
-              <a:rPr lang="zh-CN" altLang="en-US"/>
-              <a:t>权重正则化</a:t>
-            </a:r>
-            <a:endParaRPr lang="zh-CN" altLang="en-US"/>
-          </a:p>
-          <a:p>
-            <a:r>
-              <a:rPr lang="zh-CN" altLang="en-US"/>
-              <a:t>当学习新数据的时候，使用模型参数的估计分布作为先验，对以前任务中重要参数的更改会受到惩罚。</a:t>
-            </a:r>
-            <a:endParaRPr lang="zh-CN" altLang="en-US"/>
-          </a:p>
-          <a:p>
-            <a:pPr marL="285750" indent="-285750">
-              <a:buFont typeface="Arial" panose="020B0604020202020204" pitchFamily="34" charset="0"/>
-              <a:buChar char="•"/>
-            </a:pPr>
-            <a:r>
-              <a:rPr lang="zh-CN" altLang="en-US">
-                <a:solidFill>
-                  <a:srgbClr val="FF0000"/>
-                </a:solidFill>
-              </a:rPr>
-              <a:t>数据正则化</a:t>
-            </a:r>
-            <a:endParaRPr lang="zh-CN" altLang="en-US">
-              <a:solidFill>
-                <a:srgbClr val="FF0000"/>
-              </a:solidFill>
-            </a:endParaRPr>
-          </a:p>
-          <a:p>
-            <a:pPr indent="0">
-              <a:buFont typeface="Arial" panose="020B0604020202020204" pitchFamily="34" charset="0"/>
-              <a:buNone/>
-            </a:pPr>
-            <a:r>
-              <a:rPr lang="zh-CN" altLang="en-US"/>
-              <a:t>这一类基于正则化的方法旨在防止激活漂移，并基于知识蒸馏（最初设计用于从更大的教师网络学习更紧凑的学生网络），在学习新任务时，使用该技术来保持先前数据的表示不会漂移太多。</a:t>
-            </a:r>
-            <a:endParaRPr lang="zh-CN" altLang="en-US"/>
-          </a:p>
-        </p:txBody>
-      </p:sp>
-      <p:pic>
-        <p:nvPicPr>
-          <p:cNvPr id="7" name="图片 6"/>
-          <p:cNvPicPr>
-            <a:picLocks noChangeAspect="1"/>
-          </p:cNvPicPr>
-          <p:nvPr>
-            <p:custDataLst>
-              <p:tags r:id="rId3"/>
-            </p:custDataLst>
-          </p:nvPr>
-        </p:nvPicPr>
-        <p:blipFill>
-          <a:blip r:embed="rId4"/>
-          <a:stretch>
-            <a:fillRect/>
-          </a:stretch>
-        </p:blipFill>
-        <p:spPr>
-          <a:xfrm>
-            <a:off x="6248400" y="3522980"/>
-            <a:ext cx="5278755" cy="2749550"/>
-          </a:xfrm>
-          <a:prstGeom prst="rect">
-            <a:avLst/>
-          </a:prstGeom>
-        </p:spPr>
-      </p:pic>
-      <p:sp>
-        <p:nvSpPr>
-          <p:cNvPr id="8" name="文本框 7"/>
-          <p:cNvSpPr txBox="1"/>
-          <p:nvPr/>
-        </p:nvSpPr>
-        <p:spPr>
-          <a:xfrm>
-            <a:off x="7386955" y="6388100"/>
-            <a:ext cx="2976245" cy="368300"/>
-          </a:xfrm>
-          <a:prstGeom prst="rect">
-            <a:avLst/>
-          </a:prstGeom>
-          <a:noFill/>
-        </p:spPr>
-        <p:txBody>
-          <a:bodyPr wrap="square" rtlCol="0">
-            <a:spAutoFit/>
-          </a:bodyPr>
-          <a:p>
-            <a:pPr algn="ctr"/>
-            <a:r>
-              <a:rPr lang="zh-CN" altLang="en-US"/>
-              <a:t>Elastic weight consolidation</a:t>
-            </a:r>
-            <a:endParaRPr lang="zh-CN" altLang="en-US"/>
-          </a:p>
-        </p:txBody>
-      </p:sp>
-    </p:spTree>
-  </p:cSld>
-  <p:clrMapOvr>
-    <a:masterClrMapping/>
-  </p:clrMapOvr>
-</p:sld>
-</file>
-
-<file path=ppt/slides/slide4.xml><?xml version="1.0" encoding="utf-8"?>
-<p:sld xmlns:a="http://schemas.openxmlformats.org/drawingml/2006/main" xmlns:r="http://schemas.openxmlformats.org/officeDocument/2006/relationships" xmlns:p="http://schemas.openxmlformats.org/presentationml/2006/main">
-  <p:cSld>
-    <p:spTree>
-      <p:nvGrpSpPr>
-        <p:cNvPr id="1" name=""/>
-        <p:cNvGrpSpPr/>
-        <p:nvPr/>
-      </p:nvGrpSpPr>
-      <p:grpSpPr>
-        <a:xfrm>
-          <a:off x="0" y="0"/>
-          <a:ext cx="0" cy="0"/>
-          <a:chOff x="0" y="0"/>
-          <a:chExt cx="0" cy="0"/>
-        </a:xfrm>
-      </p:grpSpPr>
-      <p:sp>
-        <p:nvSpPr>
-          <p:cNvPr id="4" name="object 2"/>
-          <p:cNvSpPr txBox="1">
-            <a:spLocks noGrp="1"/>
-          </p:cNvSpPr>
-          <p:nvPr/>
-        </p:nvSpPr>
-        <p:spPr>
-          <a:xfrm>
-            <a:off x="816659" y="699973"/>
-            <a:ext cx="4678447" cy="566420"/>
-          </a:xfrm>
-          <a:prstGeom prst="rect">
-            <a:avLst/>
-          </a:prstGeom>
-        </p:spPr>
-        <p:txBody>
-          <a:bodyPr vert="horz" wrap="square" lIns="0" tIns="12700" rIns="0" bIns="0" rtlCol="0">
-            <a:spAutoFit/>
-          </a:bodyPr>
-          <a:lstStyle>
-            <a:lvl1pPr>
-              <a:defRPr sz="2400" b="1" i="0">
-                <a:solidFill>
-                  <a:schemeClr val="tx1"/>
-                </a:solidFill>
-                <a:latin typeface="Arial" panose="020B0604020202020204"/>
-                <a:ea typeface="+mj-ea"/>
-                <a:cs typeface="Arial" panose="020B0604020202020204"/>
-              </a:defRPr>
-            </a:lvl1pPr>
-          </a:lstStyle>
-          <a:p>
-            <a:pPr marL="12700">
-              <a:spcBef>
-                <a:spcPts val="100"/>
-              </a:spcBef>
-            </a:pPr>
-            <a:r>
-              <a:rPr lang="en-US" sz="3600">
-                <a:sym typeface="+mn-ea"/>
-              </a:rPr>
-              <a:t>R</a:t>
-            </a:r>
-            <a:r>
-              <a:rPr sz="3600">
-                <a:sym typeface="+mn-ea"/>
-              </a:rPr>
-              <a:t>egularization</a:t>
-            </a:r>
-            <a:endParaRPr lang="zh-CN" altLang="en-US" sz="3600" spc="-35" dirty="0">
-              <a:latin typeface="Calibri" panose="020F0502020204030204" pitchFamily="34" charset="0"/>
-              <a:ea typeface="Calibri" panose="020F0502020204030204" pitchFamily="34" charset="0"/>
-              <a:cs typeface="Calibri" panose="020F0502020204030204" pitchFamily="34" charset="0"/>
-            </a:endParaRPr>
-          </a:p>
-        </p:txBody>
-      </p:sp>
       <p:sp>
         <p:nvSpPr>
           <p:cNvPr id="6" name="矩形 5"/>
@@ -9328,161 +7472,315 @@
       </p:sp>
       <p:sp>
         <p:nvSpPr>
-          <p:cNvPr id="5" name="文本框 4"/>
-          <p:cNvSpPr txBox="1"/>
-          <p:nvPr/>
+          <p:cNvPr id="42" name="object 2"/>
+          <p:cNvSpPr txBox="1">
+            <a:spLocks noGrp="1"/>
+          </p:cNvSpPr>
+          <p:nvPr>
+            <p:custDataLst>
+              <p:tags r:id="rId1"/>
+            </p:custDataLst>
+          </p:nvPr>
         </p:nvSpPr>
         <p:spPr>
           <a:xfrm>
-            <a:off x="457200" y="2057400"/>
-            <a:ext cx="3679825" cy="645160"/>
+            <a:off x="816659" y="699973"/>
+            <a:ext cx="4678447" cy="566420"/>
           </a:xfrm>
           <a:prstGeom prst="rect">
             <a:avLst/>
           </a:prstGeom>
-          <a:noFill/>
         </p:spPr>
         <p:txBody>
-          <a:bodyPr wrap="square" rtlCol="0">
+          <a:bodyPr vert="horz" wrap="square" lIns="0" tIns="12700" rIns="0" bIns="0" rtlCol="0">
             <a:spAutoFit/>
           </a:bodyPr>
+          <a:lstStyle>
+            <a:lvl1pPr>
+              <a:defRPr sz="2400" b="1" i="0">
+                <a:solidFill>
+                  <a:schemeClr val="tx1"/>
+                </a:solidFill>
+                <a:latin typeface="Arial" panose="020B0604020202020204"/>
+                <a:ea typeface="+mj-ea"/>
+                <a:cs typeface="Arial" panose="020B0604020202020204"/>
+              </a:defRPr>
+            </a:lvl1pPr>
+          </a:lstStyle>
           <a:p>
-            <a:pPr indent="0">
-              <a:buFont typeface="Arial" panose="020B0604020202020204" pitchFamily="34" charset="0"/>
-              <a:buNone/>
+            <a:pPr marL="12700">
+              <a:spcBef>
+                <a:spcPts val="100"/>
+              </a:spcBef>
             </a:pPr>
             <a:r>
-              <a:rPr lang="zh-CN" altLang="en-US"/>
-              <a:t>与</a:t>
+              <a:rPr lang="en-US" sz="3600">
+                <a:sym typeface="+mn-ea"/>
+              </a:rPr>
+              <a:t>Siemens</a:t>
             </a:r>
-            <a:r>
-              <a:rPr lang="en-US" altLang="zh-CN"/>
-              <a:t>LLM</a:t>
-            </a:r>
-            <a:r>
-              <a:rPr lang="zh-CN" altLang="en-US"/>
-              <a:t>训练相似一种</a:t>
-            </a:r>
-            <a:r>
-              <a:rPr lang="zh-CN" altLang="en-US"/>
-              <a:t>方法：</a:t>
-            </a:r>
-            <a:endParaRPr lang="zh-CN" altLang="en-US"/>
-          </a:p>
-          <a:p>
-            <a:pPr marL="285750" indent="-285750">
-              <a:buFont typeface="Arial" panose="020B0604020202020204" pitchFamily="34" charset="0"/>
-              <a:buChar char="•"/>
-            </a:pPr>
-            <a:r>
-              <a:rPr lang="zh-CN" altLang="en-US"/>
-              <a:t>参数独立的方法</a:t>
-            </a:r>
-            <a:endParaRPr lang="zh-CN" altLang="en-US"/>
+            <a:endParaRPr lang="en-US" sz="3600">
+              <a:sym typeface="+mn-ea"/>
+            </a:endParaRPr>
           </a:p>
         </p:txBody>
       </p:sp>
       <p:pic>
         <p:nvPicPr>
-          <p:cNvPr id="2" name="图片 1"/>
+          <p:cNvPr id="3" name="图片 2" descr="segmentation_20586908_results"/>
           <p:cNvPicPr>
             <a:picLocks noChangeAspect="1"/>
           </p:cNvPicPr>
-          <p:nvPr>
-            <p:custDataLst>
-              <p:tags r:id="rId1"/>
-            </p:custDataLst>
-          </p:nvPr>
+          <p:nvPr/>
         </p:nvPicPr>
         <p:blipFill>
           <a:blip r:embed="rId2"/>
-          <a:srcRect t="2299"/>
+          <a:srcRect l="10416" r="10262"/>
           <a:stretch>
             <a:fillRect/>
           </a:stretch>
         </p:blipFill>
         <p:spPr>
           <a:xfrm>
-            <a:off x="3200400" y="1266190"/>
-            <a:ext cx="2847340" cy="2392045"/>
+            <a:off x="304800" y="1219200"/>
+            <a:ext cx="7153275" cy="2705735"/>
           </a:xfrm>
           <a:prstGeom prst="rect">
             <a:avLst/>
           </a:prstGeom>
         </p:spPr>
       </p:pic>
-      <p:sp>
-        <p:nvSpPr>
-          <p:cNvPr id="9" name="文本框 8"/>
-          <p:cNvSpPr txBox="1"/>
-          <p:nvPr/>
-        </p:nvSpPr>
-        <p:spPr>
-          <a:xfrm>
-            <a:off x="3505200" y="3658235"/>
-            <a:ext cx="2237105" cy="368300"/>
-          </a:xfrm>
-          <a:prstGeom prst="rect">
-            <a:avLst/>
-          </a:prstGeom>
-          <a:noFill/>
-        </p:spPr>
-        <p:txBody>
-          <a:bodyPr wrap="square" rtlCol="0">
-            <a:spAutoFit/>
-          </a:bodyPr>
-          <a:p>
-            <a:pPr algn="ctr"/>
-            <a:r>
-              <a:rPr lang="en-US" altLang="zh-CN"/>
-              <a:t>L</a:t>
-            </a:r>
-            <a:r>
-              <a:rPr lang="en-US" altLang="zh-CN"/>
-              <a:t>oRA</a:t>
-            </a:r>
-            <a:endParaRPr lang="en-US" altLang="zh-CN"/>
-          </a:p>
-        </p:txBody>
-      </p:sp>
       <p:pic>
         <p:nvPicPr>
-          <p:cNvPr id="10" name="图片 9"/>
+          <p:cNvPr id="10" name="图片 9" descr="segmentation_20587784_results"/>
           <p:cNvPicPr>
             <a:picLocks noChangeAspect="1"/>
           </p:cNvPicPr>
-          <p:nvPr>
-            <p:custDataLst>
-              <p:tags r:id="rId3"/>
-            </p:custDataLst>
-          </p:nvPr>
+          <p:nvPr/>
         </p:nvPicPr>
         <p:blipFill>
-          <a:blip r:embed="rId4"/>
+          <a:blip r:embed="rId3"/>
+          <a:srcRect l="10710" r="10483"/>
           <a:stretch>
             <a:fillRect/>
           </a:stretch>
         </p:blipFill>
         <p:spPr>
           <a:xfrm>
-            <a:off x="381000" y="4495800"/>
-            <a:ext cx="5974715" cy="1428750"/>
+            <a:off x="152400" y="3886200"/>
+            <a:ext cx="7795895" cy="2971165"/>
           </a:xfrm>
           <a:prstGeom prst="rect">
             <a:avLst/>
           </a:prstGeom>
         </p:spPr>
       </p:pic>
+      <p:cxnSp>
+        <p:nvCxnSpPr>
+          <p:cNvPr id="13" name="直接箭头连接符 12"/>
+          <p:cNvCxnSpPr/>
+          <p:nvPr/>
+        </p:nvCxnSpPr>
+        <p:spPr>
+          <a:xfrm flipH="1">
+            <a:off x="7010400" y="2667000"/>
+            <a:ext cx="385445" cy="343535"/>
+          </a:xfrm>
+          <a:prstGeom prst="straightConnector1">
+            <a:avLst/>
+          </a:prstGeom>
+          <a:ln>
+            <a:solidFill>
+              <a:srgbClr val="FF0000"/>
+            </a:solidFill>
+            <a:tailEnd type="arrow"/>
+          </a:ln>
+        </p:spPr>
+        <p:style>
+          <a:lnRef idx="2">
+            <a:schemeClr val="accent1"/>
+          </a:lnRef>
+          <a:fillRef idx="0">
+            <a:srgbClr val="FFFFFF"/>
+          </a:fillRef>
+          <a:effectRef idx="0">
+            <a:srgbClr val="FFFFFF"/>
+          </a:effectRef>
+          <a:fontRef idx="minor">
+            <a:schemeClr val="tx1"/>
+          </a:fontRef>
+        </p:style>
+      </p:cxnSp>
+      <p:cxnSp>
+        <p:nvCxnSpPr>
+          <p:cNvPr id="14" name="直接箭头连接符 13"/>
+          <p:cNvCxnSpPr/>
+          <p:nvPr>
+            <p:custDataLst>
+              <p:tags r:id="rId4"/>
+            </p:custDataLst>
+          </p:nvPr>
+        </p:nvCxnSpPr>
+        <p:spPr>
+          <a:xfrm flipH="1">
+            <a:off x="6858000" y="2323465"/>
+            <a:ext cx="385445" cy="343535"/>
+          </a:xfrm>
+          <a:prstGeom prst="straightConnector1">
+            <a:avLst/>
+          </a:prstGeom>
+          <a:ln>
+            <a:solidFill>
+              <a:srgbClr val="FF0000"/>
+            </a:solidFill>
+            <a:tailEnd type="arrow"/>
+          </a:ln>
+        </p:spPr>
+        <p:style>
+          <a:lnRef idx="2">
+            <a:schemeClr val="accent1"/>
+          </a:lnRef>
+          <a:fillRef idx="0">
+            <a:srgbClr val="FFFFFF"/>
+          </a:fillRef>
+          <a:effectRef idx="0">
+            <a:srgbClr val="FFFFFF"/>
+          </a:effectRef>
+          <a:fontRef idx="minor">
+            <a:schemeClr val="tx1"/>
+          </a:fontRef>
+        </p:style>
+      </p:cxnSp>
+      <p:cxnSp>
+        <p:nvCxnSpPr>
+          <p:cNvPr id="15" name="直接箭头连接符 14"/>
+          <p:cNvCxnSpPr/>
+          <p:nvPr>
+            <p:custDataLst>
+              <p:tags r:id="rId5"/>
+            </p:custDataLst>
+          </p:nvPr>
+        </p:nvCxnSpPr>
+        <p:spPr>
+          <a:xfrm flipH="1">
+            <a:off x="4419600" y="1676400"/>
+            <a:ext cx="385445" cy="343535"/>
+          </a:xfrm>
+          <a:prstGeom prst="straightConnector1">
+            <a:avLst/>
+          </a:prstGeom>
+          <a:ln>
+            <a:solidFill>
+              <a:srgbClr val="FF0000"/>
+            </a:solidFill>
+            <a:tailEnd type="arrow"/>
+          </a:ln>
+        </p:spPr>
+        <p:style>
+          <a:lnRef idx="2">
+            <a:schemeClr val="accent1"/>
+          </a:lnRef>
+          <a:fillRef idx="0">
+            <a:srgbClr val="FFFFFF"/>
+          </a:fillRef>
+          <a:effectRef idx="0">
+            <a:srgbClr val="FFFFFF"/>
+          </a:effectRef>
+          <a:fontRef idx="minor">
+            <a:schemeClr val="tx1"/>
+          </a:fontRef>
+        </p:style>
+      </p:cxnSp>
+      <p:cxnSp>
+        <p:nvCxnSpPr>
+          <p:cNvPr id="16" name="直接箭头连接符 15"/>
+          <p:cNvCxnSpPr/>
+          <p:nvPr>
+            <p:custDataLst>
+              <p:tags r:id="rId6"/>
+            </p:custDataLst>
+          </p:nvPr>
+        </p:nvCxnSpPr>
+        <p:spPr>
+          <a:xfrm flipH="1">
+            <a:off x="4805045" y="1676400"/>
+            <a:ext cx="385445" cy="343535"/>
+          </a:xfrm>
+          <a:prstGeom prst="straightConnector1">
+            <a:avLst/>
+          </a:prstGeom>
+          <a:ln>
+            <a:solidFill>
+              <a:srgbClr val="FF0000"/>
+            </a:solidFill>
+            <a:tailEnd type="arrow"/>
+          </a:ln>
+        </p:spPr>
+        <p:style>
+          <a:lnRef idx="2">
+            <a:schemeClr val="accent1"/>
+          </a:lnRef>
+          <a:fillRef idx="0">
+            <a:srgbClr val="FFFFFF"/>
+          </a:fillRef>
+          <a:effectRef idx="0">
+            <a:srgbClr val="FFFFFF"/>
+          </a:effectRef>
+          <a:fontRef idx="minor">
+            <a:schemeClr val="tx1"/>
+          </a:fontRef>
+        </p:style>
+      </p:cxnSp>
+      <p:cxnSp>
+        <p:nvCxnSpPr>
+          <p:cNvPr id="17" name="直接箭头连接符 16"/>
+          <p:cNvCxnSpPr/>
+          <p:nvPr>
+            <p:custDataLst>
+              <p:tags r:id="rId7"/>
+            </p:custDataLst>
+          </p:nvPr>
+        </p:nvCxnSpPr>
+        <p:spPr>
+          <a:xfrm flipH="1">
+            <a:off x="7010400" y="5029200"/>
+            <a:ext cx="385445" cy="343535"/>
+          </a:xfrm>
+          <a:prstGeom prst="straightConnector1">
+            <a:avLst/>
+          </a:prstGeom>
+          <a:ln>
+            <a:solidFill>
+              <a:srgbClr val="FF0000"/>
+            </a:solidFill>
+            <a:tailEnd type="arrow"/>
+          </a:ln>
+        </p:spPr>
+        <p:style>
+          <a:lnRef idx="2">
+            <a:schemeClr val="accent1"/>
+          </a:lnRef>
+          <a:fillRef idx="0">
+            <a:srgbClr val="FFFFFF"/>
+          </a:fillRef>
+          <a:effectRef idx="0">
+            <a:srgbClr val="FFFFFF"/>
+          </a:effectRef>
+          <a:fontRef idx="minor">
+            <a:schemeClr val="tx1"/>
+          </a:fontRef>
+        </p:style>
+      </p:cxnSp>
       <p:sp>
         <p:nvSpPr>
-          <p:cNvPr id="11" name="文本框 10"/>
+          <p:cNvPr id="18" name="文本框 17"/>
           <p:cNvSpPr txBox="1"/>
           <p:nvPr/>
         </p:nvSpPr>
         <p:spPr>
           <a:xfrm>
-            <a:off x="1332865" y="5943600"/>
-            <a:ext cx="4409440" cy="645160"/>
+            <a:off x="8415655" y="3268345"/>
+            <a:ext cx="3547745" cy="645160"/>
           </a:xfrm>
           <a:prstGeom prst="rect">
             <a:avLst/>
@@ -9495,196 +7793,25 @@
           </a:bodyPr>
           <a:p>
             <a:r>
-              <a:rPr lang="en-US" altLang="zh-CN"/>
-              <a:t>1. </a:t>
-            </a:r>
-            <a:r>
               <a:rPr lang="zh-CN" altLang="en-US"/>
-              <a:t>在</a:t>
-            </a:r>
-            <a:r>
-              <a:rPr lang="zh-CN" altLang="en-US">
-                <a:solidFill>
-                  <a:srgbClr val="FF0000"/>
-                </a:solidFill>
-              </a:rPr>
-              <a:t>低级的任务</a:t>
-            </a:r>
-            <a:r>
-              <a:rPr lang="zh-CN" altLang="en-US"/>
-              <a:t>中对持续学习进行</a:t>
-            </a:r>
-            <a:r>
-              <a:rPr lang="zh-CN" altLang="en-US"/>
-              <a:t>验证</a:t>
+              <a:t>这里展示分割结果</a:t>
             </a:r>
             <a:endParaRPr lang="zh-CN" altLang="en-US"/>
           </a:p>
           <a:p>
             <a:r>
-              <a:rPr lang="en-US" altLang="zh-CN"/>
-              <a:t>2. </a:t>
+              <a:rPr lang="zh-CN" altLang="en-US"/>
+              <a:t>分类结果为：</a:t>
             </a:r>
             <a:r>
-              <a:rPr lang="zh-CN" altLang="en-US"/>
-              <a:t>在</a:t>
+              <a:rPr lang="en-US" altLang="zh-CN"/>
+              <a:t>Normal / Ab</a:t>
             </a:r>
             <a:r>
-              <a:rPr lang="zh-CN" altLang="en-US">
-                <a:solidFill>
-                  <a:srgbClr val="FF0000"/>
-                </a:solidFill>
-              </a:rPr>
-              <a:t>简单的网络</a:t>
+              <a:rPr lang="en-US" altLang="zh-CN"/>
+              <a:t>normal</a:t>
             </a:r>
-            <a:r>
-              <a:rPr lang="zh-CN" altLang="en-US"/>
-              <a:t>上进行</a:t>
-            </a:r>
-            <a:r>
-              <a:rPr lang="zh-CN" altLang="en-US"/>
-              <a:t>验证</a:t>
-            </a:r>
-            <a:endParaRPr lang="zh-CN" altLang="en-US"/>
-          </a:p>
-        </p:txBody>
-      </p:sp>
-      <p:pic>
-        <p:nvPicPr>
-          <p:cNvPr id="12" name="图片 11"/>
-          <p:cNvPicPr>
-            <a:picLocks noChangeAspect="1"/>
-          </p:cNvPicPr>
-          <p:nvPr>
-            <p:custDataLst>
-              <p:tags r:id="rId5"/>
-            </p:custDataLst>
-          </p:nvPr>
-        </p:nvPicPr>
-        <p:blipFill>
-          <a:blip r:embed="rId6"/>
-          <a:stretch>
-            <a:fillRect/>
-          </a:stretch>
-        </p:blipFill>
-        <p:spPr>
-          <a:xfrm>
-            <a:off x="6477000" y="990600"/>
-            <a:ext cx="5118100" cy="3562350"/>
-          </a:xfrm>
-          <a:prstGeom prst="rect">
-            <a:avLst/>
-          </a:prstGeom>
-        </p:spPr>
-      </p:pic>
-      <p:sp>
-        <p:nvSpPr>
-          <p:cNvPr id="13" name="文本框 12"/>
-          <p:cNvSpPr txBox="1"/>
-          <p:nvPr/>
-        </p:nvSpPr>
-        <p:spPr>
-          <a:xfrm>
-            <a:off x="6934200" y="4648200"/>
-            <a:ext cx="4459605" cy="1938020"/>
-          </a:xfrm>
-          <a:prstGeom prst="rect">
-            <a:avLst/>
-          </a:prstGeom>
-          <a:noFill/>
-        </p:spPr>
-        <p:txBody>
-          <a:bodyPr wrap="square" rtlCol="0">
-            <a:spAutoFit/>
-          </a:bodyPr>
-          <a:p>
-            <a:r>
-              <a:rPr lang="zh-CN" altLang="en-US" sz="1000"/>
-              <a:t>知识蒸馏：上图是 AlexNet的结构图，θs 表示网络的前 5 层卷积层 + 后两层全连接层； 最后一层是与类别相关的输出层，其参数单独用 θo 表示。若加入一个新的分类任务，就将 new task 的参数先随机初始化，表示为 θn 。</a:t>
-            </a:r>
-            <a:endParaRPr lang="zh-CN" altLang="en-US" sz="1000"/>
-          </a:p>
-          <a:p>
-            <a:endParaRPr lang="zh-CN" altLang="en-US" sz="1000"/>
-          </a:p>
-          <a:p>
-            <a:pPr marL="171450" indent="-171450">
-              <a:buFont typeface="Arial" panose="020B0604020202020204" pitchFamily="34" charset="0"/>
-              <a:buChar char="•"/>
-            </a:pPr>
-            <a:r>
-              <a:rPr lang="zh-CN" altLang="en-US" sz="1000"/>
-              <a:t>微调（Finetune）： θs 和 θo 都进行优化，其中 θo 是固定的。 使用一个低的学习率来学习 θn 。还有一种可能是将 θs 中的前5层参数固定，来防止过拟合，而微调所有的全连接层参数。</a:t>
-            </a:r>
-            <a:endParaRPr lang="zh-CN" altLang="en-US" sz="1000"/>
-          </a:p>
-          <a:p>
-            <a:pPr marL="171450" indent="-171450">
-              <a:buFont typeface="Arial" panose="020B0604020202020204" pitchFamily="34" charset="0"/>
-              <a:buChar char="•"/>
-            </a:pPr>
-            <a:r>
-              <a:rPr lang="zh-CN" altLang="en-US" sz="1000"/>
-              <a:t>特征提取（Feature extraction） ： θs 和 θo 都不变，从网络中的一个或多个中间层的输出被用来训练新任务的参数 θn。</a:t>
-            </a:r>
-            <a:endParaRPr lang="zh-CN" altLang="en-US" sz="1000"/>
-          </a:p>
-          <a:p>
-            <a:pPr marL="171450" indent="-171450">
-              <a:buFont typeface="Arial" panose="020B0604020202020204" pitchFamily="34" charset="0"/>
-              <a:buChar char="•"/>
-            </a:pPr>
-            <a:r>
-              <a:rPr lang="zh-CN" altLang="en-US" sz="1000"/>
-              <a:t>联合训练（Joint training）： 所有的参数 θs，θo，θn 都进行学习优化，通常这个方法产生的结果是最优的，所以一般视为增量学习方法的性能上界（upper bound）。</a:t>
-            </a:r>
-            <a:endParaRPr lang="zh-CN" altLang="en-US" sz="1000"/>
-          </a:p>
-        </p:txBody>
-      </p:sp>
-      <p:sp>
-        <p:nvSpPr>
-          <p:cNvPr id="14" name="矩形 13"/>
-          <p:cNvSpPr/>
-          <p:nvPr/>
-        </p:nvSpPr>
-        <p:spPr>
-          <a:xfrm>
-            <a:off x="0" y="4186555"/>
-            <a:ext cx="6477000" cy="2668905"/>
-          </a:xfrm>
-          <a:prstGeom prst="rect">
-            <a:avLst/>
-          </a:prstGeom>
-          <a:noFill/>
-          <a:ln w="12700" cmpd="sng">
-            <a:solidFill>
-              <a:srgbClr val="FF0000"/>
-            </a:solidFill>
-            <a:prstDash val="dash"/>
-          </a:ln>
-        </p:spPr>
-        <p:style>
-          <a:lnRef idx="2">
-            <a:schemeClr val="accent1">
-              <a:lumMod val="75000"/>
-            </a:schemeClr>
-          </a:lnRef>
-          <a:fillRef idx="1">
-            <a:schemeClr val="accent1"/>
-          </a:fillRef>
-          <a:effectRef idx="0">
-            <a:srgbClr val="FFFFFF"/>
-          </a:effectRef>
-          <a:fontRef idx="minor">
-            <a:schemeClr val="lt1"/>
-          </a:fontRef>
-        </p:style>
-        <p:txBody>
-          <a:bodyPr rtlCol="0" anchor="ctr"/>
-          <a:p>
-            <a:pPr algn="ctr"/>
-            <a:endParaRPr lang="zh-CN" altLang="en-US"/>
+            <a:endParaRPr lang="en-US" altLang="zh-CN"/>
           </a:p>
         </p:txBody>
       </p:sp>
@@ -9696,7 +7823,7 @@
 </p:sld>
 </file>
 
-<file path=ppt/slides/slide5.xml><?xml version="1.0" encoding="utf-8"?>
+<file path=ppt/slides/slide3.xml><?xml version="1.0" encoding="utf-8"?>
 <p:sld xmlns:a="http://schemas.openxmlformats.org/drawingml/2006/main" xmlns:r="http://schemas.openxmlformats.org/officeDocument/2006/relationships" xmlns:p="http://schemas.openxmlformats.org/presentationml/2006/main">
   <p:cSld>
     <p:spTree>
@@ -9768,7 +7895,7 @@
         <p:spPr>
           <a:xfrm>
             <a:off x="694690" y="1295400"/>
-            <a:ext cx="1687830" cy="2641600"/>
+            <a:ext cx="2105660" cy="2641600"/>
           </a:xfrm>
           <a:prstGeom prst="roundRect">
             <a:avLst/>
@@ -9812,8 +7939,8 @@
         </p:nvSpPr>
         <p:spPr>
           <a:xfrm>
-            <a:off x="889635" y="1524000"/>
-            <a:ext cx="1565275" cy="1475740"/>
+            <a:off x="762000" y="1328420"/>
+            <a:ext cx="1846580" cy="1475740"/>
           </a:xfrm>
           <a:prstGeom prst="rect">
             <a:avLst/>
@@ -9824,6 +7951,17 @@
           <a:bodyPr wrap="square" rtlCol="0">
             <a:noAutofit/>
           </a:bodyPr>
+          <a:p>
+            <a:pPr indent="0" algn="l">
+              <a:buFont typeface="Arial" panose="020B0604020202020204" pitchFamily="34" charset="0"/>
+              <a:buNone/>
+            </a:pPr>
+            <a:r>
+              <a:rPr lang="zh-CN" altLang="en-US"/>
+              <a:t>分割：</a:t>
+            </a:r>
+            <a:endParaRPr lang="en-US" altLang="zh-CN"/>
+          </a:p>
           <a:p>
             <a:pPr marL="285750" indent="-285750" algn="l">
               <a:buFont typeface="Arial" panose="020B0604020202020204" pitchFamily="34" charset="0"/>
@@ -9877,21 +8015,46 @@
             </a:endParaRPr>
           </a:p>
           <a:p>
+            <a:pPr indent="0">
+              <a:buFont typeface="Arial" panose="020B0604020202020204" pitchFamily="34" charset="0"/>
+              <a:buNone/>
+            </a:pPr>
+            <a:r>
+              <a:rPr lang="zh-CN" altLang="en-US">
+                <a:sym typeface="+mn-ea"/>
+              </a:rPr>
+              <a:t>分类：</a:t>
+            </a:r>
+            <a:endParaRPr lang="zh-CN" altLang="en-US">
+              <a:sym typeface="+mn-ea"/>
+            </a:endParaRPr>
+          </a:p>
+          <a:p>
             <a:pPr marL="285750" indent="-285750">
               <a:buFont typeface="Arial" panose="020B0604020202020204" pitchFamily="34" charset="0"/>
               <a:buChar char="•"/>
             </a:pPr>
             <a:r>
               <a:rPr lang="en-US" altLang="zh-CN">
-                <a:sym typeface="+mn-ea"/>
+                <a:solidFill>
+                  <a:srgbClr val="FF0000"/>
+                </a:solidFill>
               </a:rPr>
-              <a:t>...</a:t>
+              <a:t>RSNA</a:t>
             </a:r>
-            <a:endParaRPr lang="zh-CN" altLang="en-US"/>
+            <a:endParaRPr lang="zh-CN" altLang="en-US">
+              <a:solidFill>
+                <a:srgbClr val="FF0000"/>
+              </a:solidFill>
+            </a:endParaRPr>
           </a:p>
           <a:p>
             <a:pPr algn="ctr"/>
-            <a:endParaRPr lang="en-US" altLang="zh-CN"/>
+            <a:endParaRPr lang="zh-CN" altLang="en-US">
+              <a:solidFill>
+                <a:srgbClr val="FF0000"/>
+              </a:solidFill>
+            </a:endParaRPr>
           </a:p>
         </p:txBody>
       </p:sp>
@@ -9983,8 +8146,8 @@
         </p:nvCxnSpPr>
         <p:spPr>
           <a:xfrm>
-            <a:off x="2382520" y="2616200"/>
-            <a:ext cx="1607185" cy="3175"/>
+            <a:off x="2800350" y="2616200"/>
+            <a:ext cx="1189355" cy="3175"/>
           </a:xfrm>
           <a:prstGeom prst="curvedConnector2">
             <a:avLst/>
@@ -10019,7 +8182,7 @@
         </p:nvSpPr>
         <p:spPr>
           <a:xfrm>
-            <a:off x="2590800" y="2209800"/>
+            <a:off x="2726690" y="2209800"/>
             <a:ext cx="1263015" cy="368300"/>
           </a:xfrm>
           <a:prstGeom prst="rect">
@@ -10108,8 +8271,8 @@
         </p:nvSpPr>
         <p:spPr>
           <a:xfrm>
-            <a:off x="776605" y="2971800"/>
-            <a:ext cx="1509395" cy="737235"/>
+            <a:off x="914400" y="3232150"/>
+            <a:ext cx="1509395" cy="645160"/>
           </a:xfrm>
           <a:prstGeom prst="rect">
             <a:avLst/>
@@ -10122,26 +8285,26 @@
           </a:bodyPr>
           <a:p>
             <a:r>
-              <a:rPr lang="en-US" altLang="zh-CN" sz="1400"/>
+              <a:rPr lang="en-US" altLang="zh-CN" sz="1200"/>
               <a:t>(</a:t>
             </a:r>
             <a:r>
-              <a:rPr lang="zh-CN" altLang="en-US" sz="1400"/>
+              <a:rPr lang="zh-CN" altLang="en-US" sz="1200"/>
               <a:t>保留分类和部分分割标签</a:t>
             </a:r>
             <a:r>
-              <a:rPr lang="en-US" altLang="zh-CN" sz="1400"/>
+              <a:rPr lang="en-US" altLang="zh-CN" sz="1200"/>
               <a:t>-mass </a:t>
             </a:r>
             <a:r>
-              <a:rPr lang="zh-CN" altLang="en-US" sz="1400"/>
+              <a:rPr lang="zh-CN" altLang="en-US" sz="1200"/>
               <a:t>、</a:t>
             </a:r>
             <a:r>
-              <a:rPr lang="en-US" altLang="zh-CN" sz="1400"/>
+              <a:rPr lang="en-US" altLang="zh-CN" sz="1200"/>
               <a:t>calcification)</a:t>
             </a:r>
-            <a:endParaRPr lang="en-US" altLang="zh-CN" sz="1400"/>
+            <a:endParaRPr lang="en-US" altLang="zh-CN" sz="1200"/>
           </a:p>
         </p:txBody>
       </p:sp>
@@ -10308,41 +8471,21 @@
               <a:buChar char="•"/>
             </a:pPr>
             <a:r>
-              <a:rPr lang="zh-CN" altLang="en-US" sz="1000"/>
+              <a:rPr lang="zh-CN" altLang="en-US" sz="1000">
+                <a:highlight>
+                  <a:srgbClr val="00FF00"/>
+                </a:highlight>
+              </a:rPr>
               <a:t>Visualization, 可以是 作爲一個heatmap overaly 到鉬靶圖像上，保存為png 格式</a:t>
             </a:r>
-            <a:endParaRPr lang="zh-CN" altLang="en-US" sz="1000"/>
+            <a:endParaRPr lang="zh-CN" altLang="en-US" sz="1000">
+              <a:highlight>
+                <a:srgbClr val="00FF00"/>
+              </a:highlight>
+            </a:endParaRPr>
           </a:p>
         </p:txBody>
       </p:sp>
-      <p:pic>
-        <p:nvPicPr>
-          <p:cNvPr id="10" name="图片 9"/>
-          <p:cNvPicPr>
-            <a:picLocks noChangeAspect="1"/>
-          </p:cNvPicPr>
-          <p:nvPr>
-            <p:custDataLst>
-              <p:tags r:id="rId5"/>
-            </p:custDataLst>
-          </p:nvPr>
-        </p:nvPicPr>
-        <p:blipFill>
-          <a:blip r:embed="rId6"/>
-          <a:stretch>
-            <a:fillRect/>
-          </a:stretch>
-        </p:blipFill>
-        <p:spPr>
-          <a:xfrm>
-            <a:off x="6705600" y="4261485"/>
-            <a:ext cx="5281295" cy="2136140"/>
-          </a:xfrm>
-          <a:prstGeom prst="rect">
-            <a:avLst/>
-          </a:prstGeom>
-        </p:spPr>
-      </p:pic>
     </p:spTree>
   </p:cSld>
   <p:clrMapOvr>
@@ -10351,7 +8494,505 @@
 </p:sld>
 </file>
 
-<file path=ppt/slides/slide6.xml><?xml version="1.0" encoding="utf-8"?>
+<file path=ppt/slides/slide4.xml><?xml version="1.0" encoding="utf-8"?>
+<p:sld xmlns:a="http://schemas.openxmlformats.org/drawingml/2006/main" xmlns:r="http://schemas.openxmlformats.org/officeDocument/2006/relationships" xmlns:p="http://schemas.openxmlformats.org/presentationml/2006/main">
+  <p:cSld>
+    <p:spTree>
+      <p:nvGrpSpPr>
+        <p:cNvPr id="1" name=""/>
+        <p:cNvGrpSpPr/>
+        <p:nvPr/>
+      </p:nvGrpSpPr>
+      <p:grpSpPr>
+        <a:xfrm>
+          <a:off x="0" y="0"/>
+          <a:ext cx="0" cy="0"/>
+          <a:chOff x="0" y="0"/>
+          <a:chExt cx="0" cy="0"/>
+        </a:xfrm>
+      </p:grpSpPr>
+      <p:sp>
+        <p:nvSpPr>
+          <p:cNvPr id="6" name="矩形 5"/>
+          <p:cNvSpPr/>
+          <p:nvPr/>
+        </p:nvSpPr>
+        <p:spPr>
+          <a:xfrm>
+            <a:off x="2170737" y="5294874"/>
+            <a:ext cx="7811463" cy="1486926"/>
+          </a:xfrm>
+          <a:prstGeom prst="rect">
+            <a:avLst/>
+          </a:prstGeom>
+          <a:solidFill>
+            <a:schemeClr val="bg1"/>
+          </a:solidFill>
+          <a:ln>
+            <a:noFill/>
+          </a:ln>
+        </p:spPr>
+        <p:style>
+          <a:lnRef idx="2">
+            <a:schemeClr val="accent1">
+              <a:shade val="50000"/>
+            </a:schemeClr>
+          </a:lnRef>
+          <a:fillRef idx="1">
+            <a:schemeClr val="accent1"/>
+          </a:fillRef>
+          <a:effectRef idx="0">
+            <a:schemeClr val="accent1"/>
+          </a:effectRef>
+          <a:fontRef idx="minor">
+            <a:schemeClr val="lt1"/>
+          </a:fontRef>
+        </p:style>
+        <p:txBody>
+          <a:bodyPr rtlCol="0" anchor="ctr"/>
+          <a:lstStyle/>
+          <a:p>
+            <a:pPr algn="ctr"/>
+            <a:endParaRPr lang="zh-CN" altLang="en-US"/>
+          </a:p>
+        </p:txBody>
+      </p:sp>
+      <p:sp>
+        <p:nvSpPr>
+          <p:cNvPr id="42" name="object 2"/>
+          <p:cNvSpPr txBox="1">
+            <a:spLocks noGrp="1"/>
+          </p:cNvSpPr>
+          <p:nvPr>
+            <p:custDataLst>
+              <p:tags r:id="rId1"/>
+            </p:custDataLst>
+          </p:nvPr>
+        </p:nvSpPr>
+        <p:spPr>
+          <a:xfrm>
+            <a:off x="816659" y="699973"/>
+            <a:ext cx="4678447" cy="566420"/>
+          </a:xfrm>
+          <a:prstGeom prst="rect">
+            <a:avLst/>
+          </a:prstGeom>
+        </p:spPr>
+        <p:txBody>
+          <a:bodyPr vert="horz" wrap="square" lIns="0" tIns="12700" rIns="0" bIns="0" rtlCol="0">
+            <a:spAutoFit/>
+          </a:bodyPr>
+          <a:lstStyle>
+            <a:lvl1pPr>
+              <a:defRPr sz="2400" b="1" i="0">
+                <a:solidFill>
+                  <a:schemeClr val="tx1"/>
+                </a:solidFill>
+                <a:latin typeface="Arial" panose="020B0604020202020204"/>
+                <a:ea typeface="+mj-ea"/>
+                <a:cs typeface="Arial" panose="020B0604020202020204"/>
+              </a:defRPr>
+            </a:lvl1pPr>
+          </a:lstStyle>
+          <a:p>
+            <a:pPr marL="12700">
+              <a:spcBef>
+                <a:spcPts val="100"/>
+              </a:spcBef>
+            </a:pPr>
+            <a:r>
+              <a:rPr lang="zh-CN" altLang="en-US" sz="3600">
+                <a:sym typeface="+mn-ea"/>
+              </a:rPr>
+              <a:t>协作</a:t>
+            </a:r>
+            <a:endParaRPr lang="zh-CN" altLang="en-US" sz="3600">
+              <a:sym typeface="+mn-ea"/>
+            </a:endParaRPr>
+          </a:p>
+        </p:txBody>
+      </p:sp>
+      <p:graphicFrame>
+        <p:nvGraphicFramePr>
+          <p:cNvPr id="2" name="表格 1"/>
+          <p:cNvGraphicFramePr/>
+          <p:nvPr/>
+        </p:nvGraphicFramePr>
+        <p:xfrm>
+          <a:off x="5867400" y="1240155"/>
+          <a:ext cx="5688965" cy="1905000"/>
+        </p:xfrm>
+        <a:graphic>
+          <a:graphicData uri="http://schemas.openxmlformats.org/drawingml/2006/table">
+            <a:tbl>
+              <a:tblPr firstRow="1" bandRow="1">
+                <a:tableStyleId>{5C22544A-7EE6-4342-B048-85BDC9FD1C3A}</a:tableStyleId>
+              </a:tblPr>
+              <a:tblGrid>
+                <a:gridCol w="2844376"/>
+                <a:gridCol w="2844377"/>
+              </a:tblGrid>
+              <a:tr h="381000">
+                <a:tc>
+                  <a:txBody>
+                    <a:bodyPr/>
+                    <a:p>
+                      <a:pPr>
+                        <a:buNone/>
+                      </a:pPr>
+                      <a:r>
+                        <a:rPr lang="zh-CN" altLang="en-US"/>
+                        <a:t>底座模型</a:t>
+                      </a:r>
+                      <a:r>
+                        <a:rPr lang="en-US" altLang="zh-CN"/>
+                        <a:t> + </a:t>
+                      </a:r>
+                      <a:r>
+                        <a:rPr lang="zh-CN" altLang="en-US"/>
+                        <a:t>数据</a:t>
+                      </a:r>
+                      <a:endParaRPr lang="zh-CN" altLang="en-US"/>
+                    </a:p>
+                  </a:txBody>
+                  <a:tcPr/>
+                </a:tc>
+                <a:tc>
+                  <a:txBody>
+                    <a:bodyPr/>
+                    <a:p>
+                      <a:pPr>
+                        <a:buNone/>
+                      </a:pPr>
+                      <a:r>
+                        <a:rPr lang="en-US" altLang="zh-CN"/>
+                        <a:t>CMB</a:t>
+                      </a:r>
+                      <a:r>
+                        <a:rPr lang="zh-CN" altLang="en-US"/>
+                        <a:t>分数</a:t>
+                      </a:r>
+                      <a:endParaRPr lang="zh-CN" altLang="en-US"/>
+                    </a:p>
+                  </a:txBody>
+                  <a:tcPr/>
+                </a:tc>
+              </a:tr>
+              <a:tr h="381000">
+                <a:tc>
+                  <a:txBody>
+                    <a:bodyPr/>
+                    <a:p>
+                      <a:pPr>
+                        <a:buNone/>
+                      </a:pPr>
+                      <a:r>
+                        <a:rPr lang="en-US" altLang="zh-CN"/>
+                        <a:t>LLaMA2-7B + 6</a:t>
+                      </a:r>
+                      <a:r>
+                        <a:rPr lang="zh-CN" altLang="en-US"/>
+                        <a:t>万</a:t>
+                      </a:r>
+                      <a:endParaRPr lang="zh-CN" altLang="en-US"/>
+                    </a:p>
+                  </a:txBody>
+                  <a:tcPr/>
+                </a:tc>
+                <a:tc>
+                  <a:txBody>
+                    <a:bodyPr/>
+                    <a:p>
+                      <a:pPr>
+                        <a:buNone/>
+                      </a:pPr>
+                      <a:r>
+                        <a:rPr lang="en-US" altLang="zh-CN"/>
+                        <a:t>32.11</a:t>
+                      </a:r>
+                      <a:endParaRPr lang="en-US" altLang="zh-CN"/>
+                    </a:p>
+                  </a:txBody>
+                  <a:tcPr/>
+                </a:tc>
+              </a:tr>
+              <a:tr h="381000">
+                <a:tc>
+                  <a:txBody>
+                    <a:bodyPr/>
+                    <a:p>
+                      <a:pPr>
+                        <a:buNone/>
+                      </a:pPr>
+                      <a:r>
+                        <a:rPr lang="en-US" altLang="zh-CN"/>
+                        <a:t>Baichuan1 + 220</a:t>
+                      </a:r>
+                      <a:r>
+                        <a:rPr lang="zh-CN" altLang="en-US"/>
+                        <a:t>万</a:t>
+                      </a:r>
+                      <a:endParaRPr lang="zh-CN" altLang="en-US"/>
+                    </a:p>
+                  </a:txBody>
+                  <a:tcPr/>
+                </a:tc>
+                <a:tc>
+                  <a:txBody>
+                    <a:bodyPr/>
+                    <a:p>
+                      <a:pPr>
+                        <a:buNone/>
+                      </a:pPr>
+                      <a:r>
+                        <a:rPr lang="en-US" altLang="zh-CN"/>
+                        <a:t>36.71</a:t>
+                      </a:r>
+                      <a:endParaRPr lang="en-US" altLang="zh-CN"/>
+                    </a:p>
+                  </a:txBody>
+                  <a:tcPr/>
+                </a:tc>
+              </a:tr>
+              <a:tr h="381000">
+                <a:tc>
+                  <a:txBody>
+                    <a:bodyPr/>
+                    <a:p>
+                      <a:pPr>
+                        <a:buNone/>
+                      </a:pPr>
+                      <a:r>
+                        <a:rPr lang="en-US" altLang="zh-CN"/>
+                        <a:t>LLaMA-33b + 30</a:t>
+                      </a:r>
+                      <a:r>
+                        <a:rPr lang="zh-CN" altLang="en-US"/>
+                        <a:t>万</a:t>
+                      </a:r>
+                      <a:endParaRPr lang="zh-CN" altLang="en-US"/>
+                    </a:p>
+                  </a:txBody>
+                  <a:tcPr/>
+                </a:tc>
+                <a:tc>
+                  <a:txBody>
+                    <a:bodyPr/>
+                    <a:p>
+                      <a:pPr>
+                        <a:buNone/>
+                      </a:pPr>
+                      <a:r>
+                        <a:rPr lang="en-US" altLang="zh-CN"/>
+                        <a:t>34.56</a:t>
+                      </a:r>
+                      <a:endParaRPr lang="en-US" altLang="zh-CN"/>
+                    </a:p>
+                  </a:txBody>
+                  <a:tcPr/>
+                </a:tc>
+              </a:tr>
+              <a:tr h="381000">
+                <a:tc>
+                  <a:txBody>
+                    <a:bodyPr/>
+                    <a:p>
+                      <a:pPr>
+                        <a:buNone/>
+                      </a:pPr>
+                      <a:r>
+                        <a:rPr lang="en-US" altLang="zh-CN">
+                          <a:solidFill>
+                            <a:srgbClr val="FF0000"/>
+                          </a:solidFill>
+                        </a:rPr>
+                        <a:t>Baichuan2 + 6</a:t>
+                      </a:r>
+                      <a:r>
+                        <a:rPr lang="zh-CN" altLang="en-US">
+                          <a:solidFill>
+                            <a:srgbClr val="FF0000"/>
+                          </a:solidFill>
+                        </a:rPr>
+                        <a:t>万</a:t>
+                      </a:r>
+                      <a:endParaRPr lang="zh-CN" altLang="en-US">
+                        <a:solidFill>
+                          <a:srgbClr val="FF0000"/>
+                        </a:solidFill>
+                      </a:endParaRPr>
+                    </a:p>
+                  </a:txBody>
+                  <a:tcPr/>
+                </a:tc>
+                <a:tc>
+                  <a:txBody>
+                    <a:bodyPr/>
+                    <a:p>
+                      <a:pPr>
+                        <a:buNone/>
+                      </a:pPr>
+                      <a:r>
+                        <a:rPr lang="zh-CN" altLang="en-US">
+                          <a:solidFill>
+                            <a:srgbClr val="FF0000"/>
+                          </a:solidFill>
+                        </a:rPr>
+                        <a:t>38.54</a:t>
+                      </a:r>
+                      <a:endParaRPr lang="zh-CN" altLang="en-US">
+                        <a:solidFill>
+                          <a:srgbClr val="FF0000"/>
+                        </a:solidFill>
+                      </a:endParaRPr>
+                    </a:p>
+                  </a:txBody>
+                  <a:tcPr/>
+                </a:tc>
+              </a:tr>
+            </a:tbl>
+          </a:graphicData>
+        </a:graphic>
+      </p:graphicFrame>
+      <p:pic>
+        <p:nvPicPr>
+          <p:cNvPr id="4" name="图片 3"/>
+          <p:cNvPicPr>
+            <a:picLocks noChangeAspect="1"/>
+          </p:cNvPicPr>
+          <p:nvPr>
+            <p:custDataLst>
+              <p:tags r:id="rId2"/>
+            </p:custDataLst>
+          </p:nvPr>
+        </p:nvPicPr>
+        <p:blipFill>
+          <a:blip r:embed="rId3"/>
+          <a:stretch>
+            <a:fillRect/>
+          </a:stretch>
+        </p:blipFill>
+        <p:spPr>
+          <a:xfrm>
+            <a:off x="152400" y="1230630"/>
+            <a:ext cx="5607050" cy="4065905"/>
+          </a:xfrm>
+          <a:prstGeom prst="rect">
+            <a:avLst/>
+          </a:prstGeom>
+        </p:spPr>
+      </p:pic>
+      <p:sp>
+        <p:nvSpPr>
+          <p:cNvPr id="5" name="文本框 4"/>
+          <p:cNvSpPr txBox="1"/>
+          <p:nvPr/>
+        </p:nvSpPr>
+        <p:spPr>
+          <a:xfrm>
+            <a:off x="5927090" y="3458845"/>
+            <a:ext cx="5579110" cy="1198880"/>
+          </a:xfrm>
+          <a:prstGeom prst="rect">
+            <a:avLst/>
+          </a:prstGeom>
+          <a:noFill/>
+        </p:spPr>
+        <p:txBody>
+          <a:bodyPr wrap="square" rtlCol="0">
+            <a:spAutoFit/>
+          </a:bodyPr>
+          <a:p>
+            <a:pPr marL="285750" indent="-285750">
+              <a:buFont typeface="Arial" panose="020B0604020202020204" pitchFamily="34" charset="0"/>
+              <a:buChar char="•"/>
+            </a:pPr>
+            <a:r>
+              <a:rPr lang="zh-CN" altLang="en-US"/>
+              <a:t>预训练</a:t>
+            </a:r>
+            <a:r>
+              <a:rPr lang="en-US" altLang="zh-CN"/>
+              <a:t>+LLaMA2-13B</a:t>
+            </a:r>
+            <a:r>
+              <a:rPr lang="zh-CN" altLang="en-US"/>
+              <a:t>（</a:t>
+            </a:r>
+            <a:r>
+              <a:rPr lang="zh-CN" altLang="en-US"/>
+              <a:t>陈）</a:t>
+            </a:r>
+            <a:endParaRPr lang="zh-CN" altLang="en-US"/>
+          </a:p>
+          <a:p>
+            <a:pPr marL="285750" indent="-285750">
+              <a:buFont typeface="Arial" panose="020B0604020202020204" pitchFamily="34" charset="0"/>
+              <a:buChar char="•"/>
+            </a:pPr>
+            <a:r>
+              <a:rPr lang="zh-CN" altLang="en-US"/>
+              <a:t>医院导诊</a:t>
+            </a:r>
+            <a:r>
+              <a:rPr lang="en-US" altLang="zh-CN"/>
+              <a:t> - </a:t>
+            </a:r>
+            <a:r>
+              <a:rPr lang="zh-CN" altLang="en-US"/>
+              <a:t>数据提供？预训练</a:t>
+            </a:r>
+            <a:r>
+              <a:rPr lang="zh-CN" altLang="en-US"/>
+              <a:t>以后？</a:t>
+            </a:r>
+            <a:endParaRPr lang="zh-CN" altLang="en-US"/>
+          </a:p>
+          <a:p>
+            <a:pPr marL="285750" indent="-285750">
+              <a:buFont typeface="Arial" panose="020B0604020202020204" pitchFamily="34" charset="0"/>
+              <a:buChar char="•"/>
+            </a:pPr>
+            <a:r>
+              <a:rPr lang="zh-CN" altLang="en-US"/>
+              <a:t>完成一个乳腺钼靶的Paper（</a:t>
+            </a:r>
+            <a:r>
+              <a:rPr lang="zh-CN" altLang="en-US"/>
+              <a:t>段）</a:t>
+            </a:r>
+            <a:endParaRPr lang="zh-CN" altLang="en-US"/>
+          </a:p>
+          <a:p>
+            <a:pPr marL="285750" indent="-285750">
+              <a:buFont typeface="Arial" panose="020B0604020202020204" pitchFamily="34" charset="0"/>
+              <a:buChar char="•"/>
+            </a:pPr>
+            <a:r>
+              <a:rPr lang="en-US" altLang="zh-CN"/>
+              <a:t>完成一个LLM的统计Paper</a:t>
+            </a:r>
+            <a:r>
+              <a:rPr lang="zh-CN" altLang="en-US"/>
+              <a:t>（陈、</a:t>
+            </a:r>
+            <a:r>
+              <a:rPr lang="zh-CN" altLang="en-US"/>
+              <a:t>杨）</a:t>
+            </a:r>
+            <a:endParaRPr lang="zh-CN" altLang="en-US"/>
+          </a:p>
+        </p:txBody>
+      </p:sp>
+    </p:spTree>
+  </p:cSld>
+  <p:clrMapOvr>
+    <a:masterClrMapping/>
+  </p:clrMapOvr>
+</p:sld>
+</file>
+
+<file path=ppt/slides/slide5.xml><?xml version="1.0" encoding="utf-8"?>
 <p:sld xmlns:a="http://schemas.openxmlformats.org/drawingml/2006/main" xmlns:r="http://schemas.openxmlformats.org/officeDocument/2006/relationships" xmlns:p="http://schemas.openxmlformats.org/presentationml/2006/main" showMasterSp="0">
   <p:cSld>
     <p:spTree>
@@ -10978,104 +9619,14 @@
 
 <file path=ppt/tags/tag12.xml><?xml version="1.0" encoding="utf-8"?>
 <p:tagLst xmlns:p="http://schemas.openxmlformats.org/presentationml/2006/main">
-  <p:tag name="KSO_WM_BEAUTIFY_FLAG" val=""/>
-</p:tagLst>
-</file>
-
-<file path=ppt/tags/tag13.xml><?xml version="1.0" encoding="utf-8"?>
-<p:tagLst xmlns:p="http://schemas.openxmlformats.org/presentationml/2006/main">
-  <p:tag name="KSO_WM_BEAUTIFY_FLAG" val=""/>
-</p:tagLst>
-</file>
-
-<file path=ppt/tags/tag14.xml><?xml version="1.0" encoding="utf-8"?>
-<p:tagLst xmlns:p="http://schemas.openxmlformats.org/presentationml/2006/main">
-  <p:tag name="KSO_WM_BEAUTIFY_FLAG" val=""/>
-</p:tagLst>
-</file>
-
-<file path=ppt/tags/tag15.xml><?xml version="1.0" encoding="utf-8"?>
-<p:tagLst xmlns:p="http://schemas.openxmlformats.org/presentationml/2006/main">
-  <p:tag name="KSO_WM_BEAUTIFY_FLAG" val=""/>
-</p:tagLst>
-</file>
-
-<file path=ppt/tags/tag16.xml><?xml version="1.0" encoding="utf-8"?>
-<p:tagLst xmlns:p="http://schemas.openxmlformats.org/presentationml/2006/main">
-  <p:tag name="KSO_WM_BEAUTIFY_FLAG" val=""/>
-</p:tagLst>
-</file>
-
-<file path=ppt/tags/tag17.xml><?xml version="1.0" encoding="utf-8"?>
-<p:tagLst xmlns:p="http://schemas.openxmlformats.org/presentationml/2006/main">
-  <p:tag name="KSO_WM_BEAUTIFY_FLAG" val=""/>
-</p:tagLst>
-</file>
-
-<file path=ppt/tags/tag18.xml><?xml version="1.0" encoding="utf-8"?>
-<p:tagLst xmlns:p="http://schemas.openxmlformats.org/presentationml/2006/main">
-  <p:tag name="KSO_WM_BEAUTIFY_FLAG" val=""/>
-</p:tagLst>
-</file>
-
-<file path=ppt/tags/tag19.xml><?xml version="1.0" encoding="utf-8"?>
-<p:tagLst xmlns:p="http://schemas.openxmlformats.org/presentationml/2006/main">
-  <p:tag name="KSO_WM_BEAUTIFY_FLAG" val=""/>
+  <p:tag name="KSO_WPP_MARK_KEY" val="abe841a8-2510-4ec0-b6c0-8cff59ff2b56"/>
+  <p:tag name="COMMONDATA" val="eyJoZGlkIjoiYzVlY2Y0YzZkYWYzNzA2YzFkODE0ZTMyNGM0MmJjMmMifQ=="/>
 </p:tagLst>
 </file>
 
 <file path=ppt/tags/tag2.xml><?xml version="1.0" encoding="utf-8"?>
 <p:tagLst xmlns:p="http://schemas.openxmlformats.org/presentationml/2006/main">
   <p:tag name="KSO_WM_BEAUTIFY_FLAG" val=""/>
-</p:tagLst>
-</file>
-
-<file path=ppt/tags/tag20.xml><?xml version="1.0" encoding="utf-8"?>
-<p:tagLst xmlns:p="http://schemas.openxmlformats.org/presentationml/2006/main">
-  <p:tag name="KSO_WM_BEAUTIFY_FLAG" val=""/>
-</p:tagLst>
-</file>
-
-<file path=ppt/tags/tag21.xml><?xml version="1.0" encoding="utf-8"?>
-<p:tagLst xmlns:p="http://schemas.openxmlformats.org/presentationml/2006/main">
-  <p:tag name="KSO_WM_BEAUTIFY_FLAG" val=""/>
-</p:tagLst>
-</file>
-
-<file path=ppt/tags/tag22.xml><?xml version="1.0" encoding="utf-8"?>
-<p:tagLst xmlns:p="http://schemas.openxmlformats.org/presentationml/2006/main">
-  <p:tag name="KSO_WM_BEAUTIFY_FLAG" val=""/>
-</p:tagLst>
-</file>
-
-<file path=ppt/tags/tag23.xml><?xml version="1.0" encoding="utf-8"?>
-<p:tagLst xmlns:p="http://schemas.openxmlformats.org/presentationml/2006/main">
-  <p:tag name="KSO_WM_BEAUTIFY_FLAG" val=""/>
-</p:tagLst>
-</file>
-
-<file path=ppt/tags/tag24.xml><?xml version="1.0" encoding="utf-8"?>
-<p:tagLst xmlns:p="http://schemas.openxmlformats.org/presentationml/2006/main">
-  <p:tag name="KSO_WM_BEAUTIFY_FLAG" val=""/>
-</p:tagLst>
-</file>
-
-<file path=ppt/tags/tag25.xml><?xml version="1.0" encoding="utf-8"?>
-<p:tagLst xmlns:p="http://schemas.openxmlformats.org/presentationml/2006/main">
-  <p:tag name="KSO_WM_BEAUTIFY_FLAG" val=""/>
-</p:tagLst>
-</file>
-
-<file path=ppt/tags/tag26.xml><?xml version="1.0" encoding="utf-8"?>
-<p:tagLst xmlns:p="http://schemas.openxmlformats.org/presentationml/2006/main">
-  <p:tag name="KSO_WM_BEAUTIFY_FLAG" val=""/>
-</p:tagLst>
-</file>
-
-<file path=ppt/tags/tag27.xml><?xml version="1.0" encoding="utf-8"?>
-<p:tagLst xmlns:p="http://schemas.openxmlformats.org/presentationml/2006/main">
-  <p:tag name="KSO_WPP_MARK_KEY" val="abe841a8-2510-4ec0-b6c0-8cff59ff2b56"/>
-  <p:tag name="COMMONDATA" val="eyJoZGlkIjoiYzVlY2Y0YzZkYWYzNzA2YzFkODE0ZTMyNGM0MmJjMmMifQ=="/>
 </p:tagLst>
 </file>
 
